--- a/SE2019春-G25-需求分析.pptx
+++ b/SE2019春-G25-需求分析.pptx
@@ -5,7 +5,7 @@
     <p:sldMasterId id="2147483660" r:id="rId1"/>
   </p:sldMasterIdLst>
   <p:notesMasterIdLst>
-    <p:notesMasterId r:id="rId20"/>
+    <p:notesMasterId r:id="rId22"/>
   </p:notesMasterIdLst>
   <p:sldIdLst>
     <p:sldId id="368" r:id="rId2"/>
@@ -13,19 +13,21 @@
     <p:sldId id="258" r:id="rId4"/>
     <p:sldId id="303" r:id="rId5"/>
     <p:sldId id="346" r:id="rId6"/>
-    <p:sldId id="344" r:id="rId7"/>
-    <p:sldId id="347" r:id="rId8"/>
-    <p:sldId id="370" r:id="rId9"/>
-    <p:sldId id="371" r:id="rId10"/>
-    <p:sldId id="372" r:id="rId11"/>
-    <p:sldId id="373" r:id="rId12"/>
-    <p:sldId id="374" r:id="rId13"/>
-    <p:sldId id="375" r:id="rId14"/>
-    <p:sldId id="376" r:id="rId15"/>
-    <p:sldId id="369" r:id="rId16"/>
-    <p:sldId id="351" r:id="rId17"/>
-    <p:sldId id="362" r:id="rId18"/>
-    <p:sldId id="365" r:id="rId19"/>
+    <p:sldId id="379" r:id="rId7"/>
+    <p:sldId id="380" r:id="rId8"/>
+    <p:sldId id="344" r:id="rId9"/>
+    <p:sldId id="347" r:id="rId10"/>
+    <p:sldId id="370" r:id="rId11"/>
+    <p:sldId id="371" r:id="rId12"/>
+    <p:sldId id="372" r:id="rId13"/>
+    <p:sldId id="373" r:id="rId14"/>
+    <p:sldId id="374" r:id="rId15"/>
+    <p:sldId id="375" r:id="rId16"/>
+    <p:sldId id="376" r:id="rId17"/>
+    <p:sldId id="369" r:id="rId18"/>
+    <p:sldId id="351" r:id="rId19"/>
+    <p:sldId id="362" r:id="rId20"/>
+    <p:sldId id="365" r:id="rId21"/>
   </p:sldIdLst>
   <p:sldSz cx="9144000" cy="6858000" type="screen4x3"/>
   <p:notesSz cx="6858000" cy="9144000"/>
@@ -225,7 +227,7 @@
           <a:p>
             <a:fld id="{4848E391-FE89-4CC7-9BD0-ACE05D40C667}" type="datetimeFigureOut">
               <a:rPr lang="zh-CN" altLang="en-US" smtClean="0"/>
-              <a:t>2019/4/7</a:t>
+              <a:t>2019/4/14</a:t>
             </a:fld>
             <a:endParaRPr lang="zh-CN" altLang="en-US"/>
           </a:p>
@@ -707,7 +709,7 @@
           <a:p>
             <a:fld id="{8872F5F8-F761-48C6-9267-8C5034088554}" type="datetimeFigureOut">
               <a:rPr lang="zh-CN" altLang="en-US" smtClean="0"/>
-              <a:t>2019/4/7</a:t>
+              <a:t>2019/4/14</a:t>
             </a:fld>
             <a:endParaRPr lang="zh-CN" altLang="en-US"/>
           </a:p>
@@ -877,7 +879,7 @@
           <a:p>
             <a:fld id="{8872F5F8-F761-48C6-9267-8C5034088554}" type="datetimeFigureOut">
               <a:rPr lang="zh-CN" altLang="en-US" smtClean="0"/>
-              <a:t>2019/4/7</a:t>
+              <a:t>2019/4/14</a:t>
             </a:fld>
             <a:endParaRPr lang="zh-CN" altLang="en-US"/>
           </a:p>
@@ -1057,7 +1059,7 @@
           <a:p>
             <a:fld id="{8872F5F8-F761-48C6-9267-8C5034088554}" type="datetimeFigureOut">
               <a:rPr lang="zh-CN" altLang="en-US" smtClean="0"/>
-              <a:t>2019/4/7</a:t>
+              <a:t>2019/4/14</a:t>
             </a:fld>
             <a:endParaRPr lang="zh-CN" altLang="en-US"/>
           </a:p>
@@ -1269,7 +1271,7 @@
           <a:p>
             <a:fld id="{8872F5F8-F761-48C6-9267-8C5034088554}" type="datetimeFigureOut">
               <a:rPr lang="zh-CN" altLang="en-US" smtClean="0"/>
-              <a:t>2019/4/7</a:t>
+              <a:t>2019/4/14</a:t>
             </a:fld>
             <a:endParaRPr lang="zh-CN" altLang="en-US"/>
           </a:p>
@@ -1513,7 +1515,7 @@
           <a:p>
             <a:fld id="{8872F5F8-F761-48C6-9267-8C5034088554}" type="datetimeFigureOut">
               <a:rPr lang="zh-CN" altLang="en-US" smtClean="0"/>
-              <a:t>2019/4/7</a:t>
+              <a:t>2019/4/14</a:t>
             </a:fld>
             <a:endParaRPr lang="zh-CN" altLang="en-US"/>
           </a:p>
@@ -1745,7 +1747,7 @@
           <a:p>
             <a:fld id="{8872F5F8-F761-48C6-9267-8C5034088554}" type="datetimeFigureOut">
               <a:rPr lang="zh-CN" altLang="en-US" smtClean="0"/>
-              <a:t>2019/4/7</a:t>
+              <a:t>2019/4/14</a:t>
             </a:fld>
             <a:endParaRPr lang="zh-CN" altLang="en-US"/>
           </a:p>
@@ -2112,7 +2114,7 @@
           <a:p>
             <a:fld id="{8872F5F8-F761-48C6-9267-8C5034088554}" type="datetimeFigureOut">
               <a:rPr lang="zh-CN" altLang="en-US" smtClean="0"/>
-              <a:t>2019/4/7</a:t>
+              <a:t>2019/4/14</a:t>
             </a:fld>
             <a:endParaRPr lang="zh-CN" altLang="en-US"/>
           </a:p>
@@ -2230,7 +2232,7 @@
           <a:p>
             <a:fld id="{8872F5F8-F761-48C6-9267-8C5034088554}" type="datetimeFigureOut">
               <a:rPr lang="zh-CN" altLang="en-US" smtClean="0"/>
-              <a:t>2019/4/7</a:t>
+              <a:t>2019/4/14</a:t>
             </a:fld>
             <a:endParaRPr lang="zh-CN" altLang="en-US"/>
           </a:p>
@@ -2325,7 +2327,7 @@
           <a:p>
             <a:fld id="{8872F5F8-F761-48C6-9267-8C5034088554}" type="datetimeFigureOut">
               <a:rPr lang="zh-CN" altLang="en-US" smtClean="0"/>
-              <a:t>2019/4/7</a:t>
+              <a:t>2019/4/14</a:t>
             </a:fld>
             <a:endParaRPr lang="zh-CN" altLang="en-US"/>
           </a:p>
@@ -2602,7 +2604,7 @@
           <a:p>
             <a:fld id="{8872F5F8-F761-48C6-9267-8C5034088554}" type="datetimeFigureOut">
               <a:rPr lang="zh-CN" altLang="en-US" smtClean="0"/>
-              <a:t>2019/4/7</a:t>
+              <a:t>2019/4/14</a:t>
             </a:fld>
             <a:endParaRPr lang="zh-CN" altLang="en-US"/>
           </a:p>
@@ -2859,7 +2861,7 @@
           <a:p>
             <a:fld id="{8872F5F8-F761-48C6-9267-8C5034088554}" type="datetimeFigureOut">
               <a:rPr lang="zh-CN" altLang="en-US" smtClean="0"/>
-              <a:t>2019/4/7</a:t>
+              <a:t>2019/4/14</a:t>
             </a:fld>
             <a:endParaRPr lang="zh-CN" altLang="en-US"/>
           </a:p>
@@ -3075,7 +3077,7 @@
           <a:p>
             <a:fld id="{8872F5F8-F761-48C6-9267-8C5034088554}" type="datetimeFigureOut">
               <a:rPr lang="zh-CN" altLang="en-US" smtClean="0"/>
-              <a:t>2019/4/7</a:t>
+              <a:t>2019/4/14</a:t>
             </a:fld>
             <a:endParaRPr lang="zh-CN" altLang="en-US"/>
           </a:p>
@@ -5062,14 +5064,14 @@
                 <a:latin typeface="微软雅黑" panose="020B0503020204020204" pitchFamily="34" charset="-122"/>
                 <a:ea typeface="微软雅黑" panose="020B0503020204020204" pitchFamily="34" charset="-122"/>
               </a:rPr>
-              <a:t>2</a:t>
+              <a:t>1</a:t>
             </a:r>
             <a:r>
               <a:rPr lang="zh-CN" altLang="en-US" sz="2000" dirty="0">
                 <a:latin typeface="微软雅黑" panose="020B0503020204020204" pitchFamily="34" charset="-122"/>
                 <a:ea typeface="微软雅黑" panose="020B0503020204020204" pitchFamily="34" charset="-122"/>
               </a:rPr>
-              <a:t>、性能需求</a:t>
+              <a:t>、功能需求</a:t>
             </a:r>
           </a:p>
         </p:txBody>
@@ -5089,7 +5091,7 @@
         <p:spPr>
           <a:xfrm>
             <a:off x="2657365" y="693497"/>
-            <a:ext cx="5765780" cy="6494085"/>
+            <a:ext cx="5765780" cy="2862322"/>
           </a:xfrm>
           <a:prstGeom prst="rect">
             <a:avLst/>
@@ -5104,71 +5106,39 @@
           <a:p>
             <a:pPr lvl="0"/>
             <a:r>
-              <a:rPr lang="zh-CN" altLang="zh-CN" b="1" dirty="0"/>
-              <a:t>系统的易用性和易维护性</a:t>
-            </a:r>
-            <a:endParaRPr lang="zh-CN" altLang="zh-CN" dirty="0"/>
-          </a:p>
-          <a:p>
-            <a:r>
-              <a:rPr lang="zh-CN" altLang="zh-CN" dirty="0"/>
-              <a:t>对于客户端的使用会涉及到各种类型的人群，凭借其简洁明了的</a:t>
-            </a:r>
-            <a:r>
-              <a:rPr lang="en-US" altLang="zh-CN" dirty="0"/>
-              <a:t>UI </a:t>
-            </a:r>
-            <a:r>
-              <a:rPr lang="zh-CN" altLang="zh-CN" dirty="0"/>
-              <a:t>和快捷的操作特性，并不要求用户对其特别的熟悉，因此可以做到让使用方法简单易懂，操作方法尽量浅显明了，使用户能够在短时间内借助简易的说明快速上手。为了提高系统的实用性，要求具有较强的可靠性和较大的吞吐量。</a:t>
-            </a:r>
-          </a:p>
-          <a:p>
-            <a:r>
-              <a:rPr lang="zh-CN" altLang="zh-CN" dirty="0"/>
-              <a:t>对于服务端的管理人员，由于软件设计的提供给操作人员的接口仅仅会涉及到简单的文件新建、修改、复制、删除等操作，因此仅仅需要操作人员熟悉简单的电脑操作即可，不需要专门进行培训。该产品操作简单快捷，功能大部分齐全，可以满足用户的基本需求，而且通俗易学，故可以使用该产品。</a:t>
+              <a:rPr lang="zh-CN" altLang="en-US" sz="2000" dirty="0"/>
+              <a:t>本项目开发的总目标为：能实现在用户学习过程中能够记录每一个同学的课表、上课时间、地点、任课老师等课程信息，并通过推送消息的方式提醒学生按时上课，同时添加未完成事项的类似备忘录的功能确保每位同学按时完成作业或者其他待办事项。</a:t>
             </a:r>
           </a:p>
           <a:p>
             <a:pPr lvl="0"/>
             <a:r>
-              <a:rPr lang="zh-CN" altLang="zh-CN" b="1" dirty="0"/>
-              <a:t>系统的标准性</a:t>
-            </a:r>
-            <a:endParaRPr lang="zh-CN" altLang="zh-CN" dirty="0"/>
-          </a:p>
-          <a:p>
-            <a:r>
-              <a:rPr lang="zh-CN" altLang="zh-CN" dirty="0"/>
-              <a:t>系统在设计开发使用过程中都要涉及到很多计算机硬件、软件。所有这些都要符合主流国际、国家和行业标准。例如在开发中使用的操作系统、网络系统、开发工具都必须符合通用标准。如规范的数据库操纵界面、作为业界标准的</a:t>
-            </a:r>
-            <a:r>
-              <a:rPr lang="en-US" altLang="zh-CN" dirty="0"/>
-              <a:t>TCP/IP</a:t>
-            </a:r>
-            <a:r>
-              <a:rPr lang="zh-CN" altLang="zh-CN" dirty="0"/>
-              <a:t>网络协议及</a:t>
-            </a:r>
-            <a:r>
-              <a:rPr lang="en-US" altLang="zh-CN" dirty="0"/>
-              <a:t>ISO9002</a:t>
-            </a:r>
-            <a:r>
-              <a:rPr lang="zh-CN" altLang="zh-CN" dirty="0"/>
-              <a:t>标准所要求的质量规范等；同时，在自主开发本系统时，要进行良好的设计工作，制订行之有效的软件工程规范，保证代码的易读性、可操作性和可移植性。</a:t>
-            </a:r>
+              <a:rPr lang="zh-CN" altLang="en-US" sz="2000" dirty="0"/>
+              <a:t>主要分为四个模块：登陆注册模块正式用户功能模块，管理员功能模块。</a:t>
+            </a:r>
+            <a:endParaRPr lang="en-US" altLang="zh-CN" sz="2000" dirty="0"/>
           </a:p>
           <a:p>
             <a:pPr lvl="0"/>
-            <a:endParaRPr lang="en-US" altLang="zh-CN" sz="2000" dirty="0"/>
+            <a:r>
+              <a:rPr lang="zh-CN" altLang="en-US" sz="2000" dirty="0"/>
+              <a:t>具体子系统功能模块在</a:t>
+            </a:r>
+            <a:r>
+              <a:rPr lang="en-US" altLang="zh-CN" sz="2000" dirty="0"/>
+              <a:t>word</a:t>
+            </a:r>
+            <a:r>
+              <a:rPr lang="zh-CN" altLang="en-US" sz="2000" dirty="0"/>
+              <a:t>中</a:t>
+            </a:r>
           </a:p>
         </p:txBody>
       </p:sp>
     </p:spTree>
     <p:extLst>
       <p:ext uri="{BB962C8B-B14F-4D97-AF65-F5344CB8AC3E}">
-        <p14:creationId xmlns:p14="http://schemas.microsoft.com/office/powerpoint/2010/main" val="514132897"/>
+        <p14:creationId xmlns:p14="http://schemas.microsoft.com/office/powerpoint/2010/main" val="1950508704"/>
       </p:ext>
     </p:extLst>
   </p:cSld>
@@ -5444,7 +5414,7 @@
         <p:spPr>
           <a:xfrm>
             <a:off x="2657365" y="693497"/>
-            <a:ext cx="5765780" cy="4832092"/>
+            <a:ext cx="5765780" cy="5047536"/>
           </a:xfrm>
           <a:prstGeom prst="rect">
             <a:avLst/>
@@ -5459,48 +5429,50 @@
           <a:p>
             <a:pPr lvl="0"/>
             <a:r>
-              <a:rPr lang="zh-CN" altLang="zh-CN" b="1" dirty="0"/>
-              <a:t>系统的先进性</a:t>
-            </a:r>
-            <a:endParaRPr lang="zh-CN" altLang="zh-CN" dirty="0"/>
-          </a:p>
-          <a:p>
-            <a:r>
-              <a:rPr lang="zh-CN" altLang="zh-CN" dirty="0"/>
-              <a:t>目前计算系统的技术发展相当快，为功能课程表学习效率软件的开发，应该保证系统在下个世纪仍旧是先进的，在系统的生命周期尽量做到系统的先进，充分完成用户信息数据挖掘与处理的要求而不至于落后。这一方面通过系统的开放性和可扩充性，不断改善系统的功能完成。另一方面，在系统设计和开发的过程中，应在考虑成本的基础上尽量采用当前主流并先进且有良好发展前途的产品。</a:t>
-            </a:r>
-            <a:endParaRPr lang="en-US" altLang="zh-CN" dirty="0"/>
-          </a:p>
-          <a:p>
-            <a:endParaRPr lang="en-US" altLang="zh-CN" dirty="0"/>
-          </a:p>
-          <a:p>
-            <a:endParaRPr lang="zh-CN" altLang="zh-CN" dirty="0"/>
+              <a:rPr lang="zh-CN" altLang="en-US" sz="2000" b="1" dirty="0"/>
+              <a:t>系统处理的准确性和及时性</a:t>
+            </a:r>
           </a:p>
           <a:p>
             <a:pPr lvl="0"/>
             <a:r>
-              <a:rPr lang="zh-CN" altLang="zh-CN" b="1" dirty="0"/>
-              <a:t>系统的响应速度</a:t>
-            </a:r>
-            <a:endParaRPr lang="zh-CN" altLang="zh-CN" dirty="0"/>
-          </a:p>
-          <a:p>
-            <a:r>
-              <a:rPr lang="zh-CN" altLang="zh-CN" dirty="0"/>
-              <a:t>功能课程表学习效率软件在日常处理中的响应速度为秒级，达到实时要求，以及时反馈信息。在进行统计分析时，根据所需数据量的不同而从秒级到分钟级，原则是保证操作人员不会因为速度问题而影响工作效率。</a:t>
-            </a:r>
+              <a:rPr lang="zh-CN" altLang="en-US" sz="2000" dirty="0"/>
+              <a:t>系统处理的准确性和及时性是系统的必要性能。在系统设计和开发过程中，要充分考虑系统当前和将来可能承受的工作量，使系统的处理能力和响应时间能够满足企业对信息处理的需求。</a:t>
+            </a:r>
+            <a:endParaRPr lang="en-US" altLang="zh-CN" sz="2000" dirty="0"/>
           </a:p>
           <a:p>
             <a:pPr lvl="0"/>
             <a:endParaRPr lang="en-US" altLang="zh-CN" sz="2000" dirty="0"/>
+          </a:p>
+          <a:p>
+            <a:pPr lvl="0"/>
+            <a:endParaRPr lang="en-US" altLang="zh-CN" sz="2000" dirty="0"/>
+          </a:p>
+          <a:p>
+            <a:pPr lvl="0"/>
+            <a:r>
+              <a:rPr lang="zh-CN" altLang="zh-CN" b="1" dirty="0"/>
+              <a:t>系统的开放性和系统的可扩充性</a:t>
+            </a:r>
+            <a:endParaRPr lang="zh-CN" altLang="zh-CN" dirty="0"/>
+          </a:p>
+          <a:p>
+            <a:r>
+              <a:rPr lang="zh-CN" altLang="zh-CN" dirty="0"/>
+              <a:t>功能课程表学习效率软件在开发过程中，应该充分考虑以后的可扩充性。例如大数据统计方面会要求更加完备的数据库，用户查询的需求也会不断的更新和完善。所有这些，都要求系统提供足够的手段进行功能的调整和扩充。而要实现这一点，应通过系统的开放性来完成，既系统应是一个开放系统，只要符合一定的规范，可以简单的加入和减少系统的模块，配置系统的硬件。通过软件的修补、替换完成系统的升级和更新换代。</a:t>
+            </a:r>
+          </a:p>
+          <a:p>
+            <a:pPr lvl="0"/>
+            <a:endParaRPr lang="zh-CN" altLang="en-US" sz="2000" dirty="0"/>
           </a:p>
         </p:txBody>
       </p:sp>
     </p:spTree>
     <p:extLst>
       <p:ext uri="{BB962C8B-B14F-4D97-AF65-F5344CB8AC3E}">
-        <p14:creationId xmlns:p14="http://schemas.microsoft.com/office/powerpoint/2010/main" val="1084587236"/>
+        <p14:creationId xmlns:p14="http://schemas.microsoft.com/office/powerpoint/2010/main" val="672416178"/>
       </p:ext>
     </p:extLst>
   </p:cSld>
@@ -5731,6 +5703,693 @@
         <p:spPr>
           <a:xfrm>
             <a:off x="2657365" y="237843"/>
+            <a:ext cx="1617751" cy="400110"/>
+          </a:xfrm>
+          <a:prstGeom prst="rect">
+            <a:avLst/>
+          </a:prstGeom>
+          <a:noFill/>
+        </p:spPr>
+        <p:txBody>
+          <a:bodyPr wrap="none" rtlCol="0">
+            <a:spAutoFit/>
+          </a:bodyPr>
+          <a:lstStyle/>
+          <a:p>
+            <a:r>
+              <a:rPr lang="en-US" altLang="zh-CN" sz="2000" dirty="0">
+                <a:latin typeface="微软雅黑" panose="020B0503020204020204" pitchFamily="34" charset="-122"/>
+                <a:ea typeface="微软雅黑" panose="020B0503020204020204" pitchFamily="34" charset="-122"/>
+              </a:rPr>
+              <a:t>2</a:t>
+            </a:r>
+            <a:r>
+              <a:rPr lang="zh-CN" altLang="en-US" sz="2000" dirty="0">
+                <a:latin typeface="微软雅黑" panose="020B0503020204020204" pitchFamily="34" charset="-122"/>
+                <a:ea typeface="微软雅黑" panose="020B0503020204020204" pitchFamily="34" charset="-122"/>
+              </a:rPr>
+              <a:t>、性能需求</a:t>
+            </a:r>
+          </a:p>
+        </p:txBody>
+      </p:sp>
+      <p:sp>
+        <p:nvSpPr>
+          <p:cNvPr id="5" name="文本框 4">
+            <a:extLst>
+              <a:ext uri="{FF2B5EF4-FFF2-40B4-BE49-F238E27FC236}">
+                <a16:creationId xmlns:a16="http://schemas.microsoft.com/office/drawing/2014/main" id="{FFD139B6-518B-473B-91DA-D1378AEF9FEC}"/>
+              </a:ext>
+            </a:extLst>
+          </p:cNvPr>
+          <p:cNvSpPr txBox="1"/>
+          <p:nvPr/>
+        </p:nvSpPr>
+        <p:spPr>
+          <a:xfrm>
+            <a:off x="2657365" y="693497"/>
+            <a:ext cx="5765780" cy="6494085"/>
+          </a:xfrm>
+          <a:prstGeom prst="rect">
+            <a:avLst/>
+          </a:prstGeom>
+          <a:noFill/>
+        </p:spPr>
+        <p:txBody>
+          <a:bodyPr wrap="square" rtlCol="0">
+            <a:spAutoFit/>
+          </a:bodyPr>
+          <a:lstStyle/>
+          <a:p>
+            <a:pPr lvl="0"/>
+            <a:r>
+              <a:rPr lang="zh-CN" altLang="zh-CN" b="1" dirty="0"/>
+              <a:t>系统的易用性和易维护性</a:t>
+            </a:r>
+            <a:endParaRPr lang="zh-CN" altLang="zh-CN" dirty="0"/>
+          </a:p>
+          <a:p>
+            <a:r>
+              <a:rPr lang="zh-CN" altLang="zh-CN" dirty="0"/>
+              <a:t>对于客户端的使用会涉及到各种类型的人群，凭借其简洁明了的</a:t>
+            </a:r>
+            <a:r>
+              <a:rPr lang="en-US" altLang="zh-CN" dirty="0"/>
+              <a:t>UI </a:t>
+            </a:r>
+            <a:r>
+              <a:rPr lang="zh-CN" altLang="zh-CN" dirty="0"/>
+              <a:t>和快捷的操作特性，并不要求用户对其特别的熟悉，因此可以做到让使用方法简单易懂，操作方法尽量浅显明了，使用户能够在短时间内借助简易的说明快速上手。为了提高系统的实用性，要求具有较强的可靠性和较大的吞吐量。</a:t>
+            </a:r>
+          </a:p>
+          <a:p>
+            <a:r>
+              <a:rPr lang="zh-CN" altLang="zh-CN" dirty="0"/>
+              <a:t>对于服务端的管理人员，由于软件设计的提供给操作人员的接口仅仅会涉及到简单的文件新建、修改、复制、删除等操作，因此仅仅需要操作人员熟悉简单的电脑操作即可，不需要专门进行培训。该产品操作简单快捷，功能大部分齐全，可以满足用户的基本需求，而且通俗易学，故可以使用该产品。</a:t>
+            </a:r>
+          </a:p>
+          <a:p>
+            <a:pPr lvl="0"/>
+            <a:r>
+              <a:rPr lang="zh-CN" altLang="zh-CN" b="1" dirty="0"/>
+              <a:t>系统的标准性</a:t>
+            </a:r>
+            <a:endParaRPr lang="zh-CN" altLang="zh-CN" dirty="0"/>
+          </a:p>
+          <a:p>
+            <a:r>
+              <a:rPr lang="zh-CN" altLang="zh-CN" dirty="0"/>
+              <a:t>系统在设计开发使用过程中都要涉及到很多计算机硬件、软件。所有这些都要符合主流国际、国家和行业标准。例如在开发中使用的操作系统、网络系统、开发工具都必须符合通用标准。如规范的数据库操纵界面、作为业界标准的</a:t>
+            </a:r>
+            <a:r>
+              <a:rPr lang="en-US" altLang="zh-CN" dirty="0"/>
+              <a:t>TCP/IP</a:t>
+            </a:r>
+            <a:r>
+              <a:rPr lang="zh-CN" altLang="zh-CN" dirty="0"/>
+              <a:t>网络协议及</a:t>
+            </a:r>
+            <a:r>
+              <a:rPr lang="en-US" altLang="zh-CN" dirty="0"/>
+              <a:t>ISO9002</a:t>
+            </a:r>
+            <a:r>
+              <a:rPr lang="zh-CN" altLang="zh-CN" dirty="0"/>
+              <a:t>标准所要求的质量规范等；同时，在自主开发本系统时，要进行良好的设计工作，制订行之有效的软件工程规范，保证代码的易读性、可操作性和可移植性。</a:t>
+            </a:r>
+          </a:p>
+          <a:p>
+            <a:pPr lvl="0"/>
+            <a:endParaRPr lang="en-US" altLang="zh-CN" sz="2000" dirty="0"/>
+          </a:p>
+        </p:txBody>
+      </p:sp>
+    </p:spTree>
+    <p:extLst>
+      <p:ext uri="{BB962C8B-B14F-4D97-AF65-F5344CB8AC3E}">
+        <p14:creationId xmlns:p14="http://schemas.microsoft.com/office/powerpoint/2010/main" val="514132897"/>
+      </p:ext>
+    </p:extLst>
+  </p:cSld>
+  <p:clrMapOvr>
+    <a:masterClrMapping/>
+  </p:clrMapOvr>
+  <mc:AlternateContent xmlns:mc="http://schemas.openxmlformats.org/markup-compatibility/2006" xmlns:p14="http://schemas.microsoft.com/office/powerpoint/2010/main">
+    <mc:Choice Requires="p14">
+      <p:transition spd="med" p14:dur="700">
+        <p:fade/>
+      </p:transition>
+    </mc:Choice>
+    <mc:Fallback xmlns="">
+      <p:transition spd="med">
+        <p:fade/>
+      </p:transition>
+    </mc:Fallback>
+  </mc:AlternateContent>
+</p:sld>
+</file>
+
+<file path=ppt/slides/slide13.xml><?xml version="1.0" encoding="utf-8"?>
+<p:sld xmlns:a="http://schemas.openxmlformats.org/drawingml/2006/main" xmlns:r="http://schemas.openxmlformats.org/officeDocument/2006/relationships" xmlns:p="http://schemas.openxmlformats.org/presentationml/2006/main">
+  <p:cSld>
+    <p:spTree>
+      <p:nvGrpSpPr>
+        <p:cNvPr id="1" name=""/>
+        <p:cNvGrpSpPr/>
+        <p:nvPr/>
+      </p:nvGrpSpPr>
+      <p:grpSpPr>
+        <a:xfrm>
+          <a:off x="0" y="0"/>
+          <a:ext cx="0" cy="0"/>
+          <a:chOff x="0" y="0"/>
+          <a:chExt cx="0" cy="0"/>
+        </a:xfrm>
+      </p:grpSpPr>
+      <p:grpSp>
+        <p:nvGrpSpPr>
+          <p:cNvPr id="13" name="组合 2">
+            <a:extLst>
+              <a:ext uri="{FF2B5EF4-FFF2-40B4-BE49-F238E27FC236}">
+                <a16:creationId xmlns:a16="http://schemas.microsoft.com/office/drawing/2014/main" id="{AC579923-1C81-470D-991D-41135C46ADB1}"/>
+              </a:ext>
+            </a:extLst>
+          </p:cNvPr>
+          <p:cNvGrpSpPr/>
+          <p:nvPr/>
+        </p:nvGrpSpPr>
+        <p:grpSpPr>
+          <a:xfrm>
+            <a:off x="0" y="0"/>
+            <a:ext cx="2311882" cy="6858000"/>
+            <a:chOff x="0" y="0"/>
+            <a:chExt cx="2311882" cy="6858000"/>
+          </a:xfrm>
+        </p:grpSpPr>
+        <p:sp>
+          <p:nvSpPr>
+            <p:cNvPr id="14" name="矩形 13">
+              <a:extLst>
+                <a:ext uri="{FF2B5EF4-FFF2-40B4-BE49-F238E27FC236}">
+                  <a16:creationId xmlns:a16="http://schemas.microsoft.com/office/drawing/2014/main" id="{707A22D1-6283-4694-9BDA-E0CA5B7B902C}"/>
+                </a:ext>
+              </a:extLst>
+            </p:cNvPr>
+            <p:cNvSpPr/>
+            <p:nvPr/>
+          </p:nvSpPr>
+          <p:spPr>
+            <a:xfrm>
+              <a:off x="0" y="0"/>
+              <a:ext cx="2311882" cy="6858000"/>
+            </a:xfrm>
+            <a:prstGeom prst="rect">
+              <a:avLst/>
+            </a:prstGeom>
+            <a:ln>
+              <a:noFill/>
+            </a:ln>
+          </p:spPr>
+          <p:style>
+            <a:lnRef idx="2">
+              <a:schemeClr val="accent1">
+                <a:shade val="50000"/>
+              </a:schemeClr>
+            </a:lnRef>
+            <a:fillRef idx="1">
+              <a:schemeClr val="accent1"/>
+            </a:fillRef>
+            <a:effectRef idx="0">
+              <a:schemeClr val="accent1"/>
+            </a:effectRef>
+            <a:fontRef idx="minor">
+              <a:schemeClr val="lt1"/>
+            </a:fontRef>
+          </p:style>
+          <p:txBody>
+            <a:bodyPr rtlCol="0" anchor="ctr"/>
+            <a:lstStyle/>
+            <a:p>
+              <a:pPr algn="ctr"/>
+              <a:endParaRPr lang="zh-CN" altLang="en-US"/>
+            </a:p>
+          </p:txBody>
+        </p:sp>
+        <p:sp>
+          <p:nvSpPr>
+            <p:cNvPr id="15" name="文本框 14">
+              <a:extLst>
+                <a:ext uri="{FF2B5EF4-FFF2-40B4-BE49-F238E27FC236}">
+                  <a16:creationId xmlns:a16="http://schemas.microsoft.com/office/drawing/2014/main" id="{2DC17080-AB22-44B0-BD13-733CBAFAA0D3}"/>
+                </a:ext>
+              </a:extLst>
+            </p:cNvPr>
+            <p:cNvSpPr txBox="1"/>
+            <p:nvPr/>
+          </p:nvSpPr>
+          <p:spPr>
+            <a:xfrm>
+              <a:off x="179961" y="756880"/>
+              <a:ext cx="2131921" cy="1200329"/>
+            </a:xfrm>
+            <a:prstGeom prst="rect">
+              <a:avLst/>
+            </a:prstGeom>
+            <a:noFill/>
+            <a:ln>
+              <a:noFill/>
+            </a:ln>
+          </p:spPr>
+          <p:txBody>
+            <a:bodyPr wrap="square" rtlCol="0">
+              <a:spAutoFit/>
+            </a:bodyPr>
+            <a:lstStyle/>
+            <a:p>
+              <a:r>
+                <a:rPr lang="zh-CN" altLang="en-US" sz="3600" kern="100" dirty="0">
+                  <a:solidFill>
+                    <a:schemeClr val="bg1"/>
+                  </a:solidFill>
+                  <a:latin typeface="微软雅黑 Light" panose="020B0502040204020203" pitchFamily="34" charset="-122"/>
+                  <a:ea typeface="微软雅黑 Light" panose="020B0502040204020203" pitchFamily="34" charset="-122"/>
+                </a:rPr>
+                <a:t>具体需求分析</a:t>
+              </a:r>
+            </a:p>
+          </p:txBody>
+        </p:sp>
+        <p:sp>
+          <p:nvSpPr>
+            <p:cNvPr id="16" name="文本框 15">
+              <a:extLst>
+                <a:ext uri="{FF2B5EF4-FFF2-40B4-BE49-F238E27FC236}">
+                  <a16:creationId xmlns:a16="http://schemas.microsoft.com/office/drawing/2014/main" id="{85D5BD3F-DEB9-4813-B82A-7E32195A7A6E}"/>
+                </a:ext>
+              </a:extLst>
+            </p:cNvPr>
+            <p:cNvSpPr txBox="1"/>
+            <p:nvPr/>
+          </p:nvSpPr>
+          <p:spPr>
+            <a:xfrm>
+              <a:off x="159657" y="1883092"/>
+              <a:ext cx="1992567" cy="1200329"/>
+            </a:xfrm>
+            <a:prstGeom prst="rect">
+              <a:avLst/>
+            </a:prstGeom>
+            <a:noFill/>
+            <a:ln>
+              <a:noFill/>
+            </a:ln>
+          </p:spPr>
+          <p:txBody>
+            <a:bodyPr wrap="square" rtlCol="0">
+              <a:spAutoFit/>
+            </a:bodyPr>
+            <a:lstStyle/>
+            <a:p>
+              <a:r>
+                <a:rPr lang="en-US" altLang="zh-CN" sz="2400" dirty="0">
+                  <a:solidFill>
+                    <a:schemeClr val="bg1"/>
+                  </a:solidFill>
+                  <a:latin typeface="微软雅黑 Light" panose="020B0502040204020203" pitchFamily="34" charset="-122"/>
+                  <a:ea typeface="微软雅黑 Light" panose="020B0502040204020203" pitchFamily="34" charset="-122"/>
+                </a:rPr>
+                <a:t>Specific requirements</a:t>
+              </a:r>
+            </a:p>
+            <a:p>
+              <a:r>
+                <a:rPr lang="en-US" altLang="zh-CN" sz="2400" dirty="0">
+                  <a:solidFill>
+                    <a:schemeClr val="bg1"/>
+                  </a:solidFill>
+                  <a:latin typeface="微软雅黑 Light" panose="020B0502040204020203" pitchFamily="34" charset="-122"/>
+                  <a:ea typeface="微软雅黑 Light" panose="020B0502040204020203" pitchFamily="34" charset="-122"/>
+                </a:rPr>
+                <a:t>analysis</a:t>
+              </a:r>
+              <a:endParaRPr lang="zh-CN" altLang="en-US" sz="2400" dirty="0">
+                <a:solidFill>
+                  <a:schemeClr val="bg1"/>
+                </a:solidFill>
+                <a:latin typeface="微软雅黑 Light" panose="020B0502040204020203" pitchFamily="34" charset="-122"/>
+                <a:ea typeface="微软雅黑 Light" panose="020B0502040204020203" pitchFamily="34" charset="-122"/>
+              </a:endParaRPr>
+            </a:p>
+          </p:txBody>
+        </p:sp>
+      </p:grpSp>
+      <p:sp>
+        <p:nvSpPr>
+          <p:cNvPr id="3" name="文本框 2">
+            <a:extLst>
+              <a:ext uri="{FF2B5EF4-FFF2-40B4-BE49-F238E27FC236}">
+                <a16:creationId xmlns:a16="http://schemas.microsoft.com/office/drawing/2014/main" id="{B29B01A7-DEB7-4789-87A2-4C5C62E169CD}"/>
+              </a:ext>
+            </a:extLst>
+          </p:cNvPr>
+          <p:cNvSpPr txBox="1"/>
+          <p:nvPr/>
+        </p:nvSpPr>
+        <p:spPr>
+          <a:xfrm>
+            <a:off x="2657365" y="237843"/>
+            <a:ext cx="1617751" cy="400110"/>
+          </a:xfrm>
+          <a:prstGeom prst="rect">
+            <a:avLst/>
+          </a:prstGeom>
+          <a:noFill/>
+        </p:spPr>
+        <p:txBody>
+          <a:bodyPr wrap="none" rtlCol="0">
+            <a:spAutoFit/>
+          </a:bodyPr>
+          <a:lstStyle/>
+          <a:p>
+            <a:r>
+              <a:rPr lang="en-US" altLang="zh-CN" sz="2000" dirty="0">
+                <a:latin typeface="微软雅黑" panose="020B0503020204020204" pitchFamily="34" charset="-122"/>
+                <a:ea typeface="微软雅黑" panose="020B0503020204020204" pitchFamily="34" charset="-122"/>
+              </a:rPr>
+              <a:t>2</a:t>
+            </a:r>
+            <a:r>
+              <a:rPr lang="zh-CN" altLang="en-US" sz="2000" dirty="0">
+                <a:latin typeface="微软雅黑" panose="020B0503020204020204" pitchFamily="34" charset="-122"/>
+                <a:ea typeface="微软雅黑" panose="020B0503020204020204" pitchFamily="34" charset="-122"/>
+              </a:rPr>
+              <a:t>、性能需求</a:t>
+            </a:r>
+          </a:p>
+        </p:txBody>
+      </p:sp>
+      <p:sp>
+        <p:nvSpPr>
+          <p:cNvPr id="5" name="文本框 4">
+            <a:extLst>
+              <a:ext uri="{FF2B5EF4-FFF2-40B4-BE49-F238E27FC236}">
+                <a16:creationId xmlns:a16="http://schemas.microsoft.com/office/drawing/2014/main" id="{FFD139B6-518B-473B-91DA-D1378AEF9FEC}"/>
+              </a:ext>
+            </a:extLst>
+          </p:cNvPr>
+          <p:cNvSpPr txBox="1"/>
+          <p:nvPr/>
+        </p:nvSpPr>
+        <p:spPr>
+          <a:xfrm>
+            <a:off x="2657365" y="693497"/>
+            <a:ext cx="5765780" cy="4832092"/>
+          </a:xfrm>
+          <a:prstGeom prst="rect">
+            <a:avLst/>
+          </a:prstGeom>
+          <a:noFill/>
+        </p:spPr>
+        <p:txBody>
+          <a:bodyPr wrap="square" rtlCol="0">
+            <a:spAutoFit/>
+          </a:bodyPr>
+          <a:lstStyle/>
+          <a:p>
+            <a:pPr lvl="0"/>
+            <a:r>
+              <a:rPr lang="zh-CN" altLang="zh-CN" b="1" dirty="0"/>
+              <a:t>系统的先进性</a:t>
+            </a:r>
+            <a:endParaRPr lang="zh-CN" altLang="zh-CN" dirty="0"/>
+          </a:p>
+          <a:p>
+            <a:r>
+              <a:rPr lang="zh-CN" altLang="zh-CN" dirty="0"/>
+              <a:t>目前计算系统的技术发展相当快，为功能课程表学习效率软件的开发，应该保证系统在下个世纪仍旧是先进的，在系统的生命周期尽量做到系统的先进，充分完成用户信息数据挖掘与处理的要求而不至于落后。这一方面通过系统的开放性和可扩充性，不断改善系统的功能完成。另一方面，在系统设计和开发的过程中，应在考虑成本的基础上尽量采用当前主流并先进且有良好发展前途的产品。</a:t>
+            </a:r>
+            <a:endParaRPr lang="en-US" altLang="zh-CN" dirty="0"/>
+          </a:p>
+          <a:p>
+            <a:endParaRPr lang="en-US" altLang="zh-CN" dirty="0"/>
+          </a:p>
+          <a:p>
+            <a:endParaRPr lang="zh-CN" altLang="zh-CN" dirty="0"/>
+          </a:p>
+          <a:p>
+            <a:pPr lvl="0"/>
+            <a:r>
+              <a:rPr lang="zh-CN" altLang="zh-CN" b="1" dirty="0"/>
+              <a:t>系统的响应速度</a:t>
+            </a:r>
+            <a:endParaRPr lang="zh-CN" altLang="zh-CN" dirty="0"/>
+          </a:p>
+          <a:p>
+            <a:r>
+              <a:rPr lang="zh-CN" altLang="zh-CN" dirty="0"/>
+              <a:t>功能课程表学习效率软件在日常处理中的响应速度为秒级，达到实时要求，以及时反馈信息。在进行统计分析时，根据所需数据量的不同而从秒级到分钟级，原则是保证操作人员不会因为速度问题而影响工作效率。</a:t>
+            </a:r>
+          </a:p>
+          <a:p>
+            <a:pPr lvl="0"/>
+            <a:endParaRPr lang="en-US" altLang="zh-CN" sz="2000" dirty="0"/>
+          </a:p>
+        </p:txBody>
+      </p:sp>
+    </p:spTree>
+    <p:extLst>
+      <p:ext uri="{BB962C8B-B14F-4D97-AF65-F5344CB8AC3E}">
+        <p14:creationId xmlns:p14="http://schemas.microsoft.com/office/powerpoint/2010/main" val="1084587236"/>
+      </p:ext>
+    </p:extLst>
+  </p:cSld>
+  <p:clrMapOvr>
+    <a:masterClrMapping/>
+  </p:clrMapOvr>
+  <mc:AlternateContent xmlns:mc="http://schemas.openxmlformats.org/markup-compatibility/2006" xmlns:p14="http://schemas.microsoft.com/office/powerpoint/2010/main">
+    <mc:Choice Requires="p14">
+      <p:transition spd="med" p14:dur="700">
+        <p:fade/>
+      </p:transition>
+    </mc:Choice>
+    <mc:Fallback xmlns="">
+      <p:transition spd="med">
+        <p:fade/>
+      </p:transition>
+    </mc:Fallback>
+  </mc:AlternateContent>
+</p:sld>
+</file>
+
+<file path=ppt/slides/slide14.xml><?xml version="1.0" encoding="utf-8"?>
+<p:sld xmlns:a="http://schemas.openxmlformats.org/drawingml/2006/main" xmlns:r="http://schemas.openxmlformats.org/officeDocument/2006/relationships" xmlns:p="http://schemas.openxmlformats.org/presentationml/2006/main">
+  <p:cSld>
+    <p:spTree>
+      <p:nvGrpSpPr>
+        <p:cNvPr id="1" name=""/>
+        <p:cNvGrpSpPr/>
+        <p:nvPr/>
+      </p:nvGrpSpPr>
+      <p:grpSpPr>
+        <a:xfrm>
+          <a:off x="0" y="0"/>
+          <a:ext cx="0" cy="0"/>
+          <a:chOff x="0" y="0"/>
+          <a:chExt cx="0" cy="0"/>
+        </a:xfrm>
+      </p:grpSpPr>
+      <p:grpSp>
+        <p:nvGrpSpPr>
+          <p:cNvPr id="13" name="组合 2">
+            <a:extLst>
+              <a:ext uri="{FF2B5EF4-FFF2-40B4-BE49-F238E27FC236}">
+                <a16:creationId xmlns:a16="http://schemas.microsoft.com/office/drawing/2014/main" id="{AC579923-1C81-470D-991D-41135C46ADB1}"/>
+              </a:ext>
+            </a:extLst>
+          </p:cNvPr>
+          <p:cNvGrpSpPr/>
+          <p:nvPr/>
+        </p:nvGrpSpPr>
+        <p:grpSpPr>
+          <a:xfrm>
+            <a:off x="0" y="0"/>
+            <a:ext cx="2311882" cy="6858000"/>
+            <a:chOff x="0" y="0"/>
+            <a:chExt cx="2311882" cy="6858000"/>
+          </a:xfrm>
+        </p:grpSpPr>
+        <p:sp>
+          <p:nvSpPr>
+            <p:cNvPr id="14" name="矩形 13">
+              <a:extLst>
+                <a:ext uri="{FF2B5EF4-FFF2-40B4-BE49-F238E27FC236}">
+                  <a16:creationId xmlns:a16="http://schemas.microsoft.com/office/drawing/2014/main" id="{707A22D1-6283-4694-9BDA-E0CA5B7B902C}"/>
+                </a:ext>
+              </a:extLst>
+            </p:cNvPr>
+            <p:cNvSpPr/>
+            <p:nvPr/>
+          </p:nvSpPr>
+          <p:spPr>
+            <a:xfrm>
+              <a:off x="0" y="0"/>
+              <a:ext cx="2311882" cy="6858000"/>
+            </a:xfrm>
+            <a:prstGeom prst="rect">
+              <a:avLst/>
+            </a:prstGeom>
+            <a:ln>
+              <a:noFill/>
+            </a:ln>
+          </p:spPr>
+          <p:style>
+            <a:lnRef idx="2">
+              <a:schemeClr val="accent1">
+                <a:shade val="50000"/>
+              </a:schemeClr>
+            </a:lnRef>
+            <a:fillRef idx="1">
+              <a:schemeClr val="accent1"/>
+            </a:fillRef>
+            <a:effectRef idx="0">
+              <a:schemeClr val="accent1"/>
+            </a:effectRef>
+            <a:fontRef idx="minor">
+              <a:schemeClr val="lt1"/>
+            </a:fontRef>
+          </p:style>
+          <p:txBody>
+            <a:bodyPr rtlCol="0" anchor="ctr"/>
+            <a:lstStyle/>
+            <a:p>
+              <a:pPr algn="ctr"/>
+              <a:endParaRPr lang="zh-CN" altLang="en-US"/>
+            </a:p>
+          </p:txBody>
+        </p:sp>
+        <p:sp>
+          <p:nvSpPr>
+            <p:cNvPr id="15" name="文本框 14">
+              <a:extLst>
+                <a:ext uri="{FF2B5EF4-FFF2-40B4-BE49-F238E27FC236}">
+                  <a16:creationId xmlns:a16="http://schemas.microsoft.com/office/drawing/2014/main" id="{2DC17080-AB22-44B0-BD13-733CBAFAA0D3}"/>
+                </a:ext>
+              </a:extLst>
+            </p:cNvPr>
+            <p:cNvSpPr txBox="1"/>
+            <p:nvPr/>
+          </p:nvSpPr>
+          <p:spPr>
+            <a:xfrm>
+              <a:off x="179961" y="756880"/>
+              <a:ext cx="2131921" cy="1200329"/>
+            </a:xfrm>
+            <a:prstGeom prst="rect">
+              <a:avLst/>
+            </a:prstGeom>
+            <a:noFill/>
+            <a:ln>
+              <a:noFill/>
+            </a:ln>
+          </p:spPr>
+          <p:txBody>
+            <a:bodyPr wrap="square" rtlCol="0">
+              <a:spAutoFit/>
+            </a:bodyPr>
+            <a:lstStyle/>
+            <a:p>
+              <a:r>
+                <a:rPr lang="zh-CN" altLang="en-US" sz="3600" kern="100" dirty="0">
+                  <a:solidFill>
+                    <a:schemeClr val="bg1"/>
+                  </a:solidFill>
+                  <a:latin typeface="微软雅黑 Light" panose="020B0502040204020203" pitchFamily="34" charset="-122"/>
+                  <a:ea typeface="微软雅黑 Light" panose="020B0502040204020203" pitchFamily="34" charset="-122"/>
+                </a:rPr>
+                <a:t>具体需求分析</a:t>
+              </a:r>
+            </a:p>
+          </p:txBody>
+        </p:sp>
+        <p:sp>
+          <p:nvSpPr>
+            <p:cNvPr id="16" name="文本框 15">
+              <a:extLst>
+                <a:ext uri="{FF2B5EF4-FFF2-40B4-BE49-F238E27FC236}">
+                  <a16:creationId xmlns:a16="http://schemas.microsoft.com/office/drawing/2014/main" id="{85D5BD3F-DEB9-4813-B82A-7E32195A7A6E}"/>
+                </a:ext>
+              </a:extLst>
+            </p:cNvPr>
+            <p:cNvSpPr txBox="1"/>
+            <p:nvPr/>
+          </p:nvSpPr>
+          <p:spPr>
+            <a:xfrm>
+              <a:off x="159657" y="1883092"/>
+              <a:ext cx="1992567" cy="1200329"/>
+            </a:xfrm>
+            <a:prstGeom prst="rect">
+              <a:avLst/>
+            </a:prstGeom>
+            <a:noFill/>
+            <a:ln>
+              <a:noFill/>
+            </a:ln>
+          </p:spPr>
+          <p:txBody>
+            <a:bodyPr wrap="square" rtlCol="0">
+              <a:spAutoFit/>
+            </a:bodyPr>
+            <a:lstStyle/>
+            <a:p>
+              <a:r>
+                <a:rPr lang="en-US" altLang="zh-CN" sz="2400" dirty="0">
+                  <a:solidFill>
+                    <a:schemeClr val="bg1"/>
+                  </a:solidFill>
+                  <a:latin typeface="微软雅黑 Light" panose="020B0502040204020203" pitchFamily="34" charset="-122"/>
+                  <a:ea typeface="微软雅黑 Light" panose="020B0502040204020203" pitchFamily="34" charset="-122"/>
+                </a:rPr>
+                <a:t>Specific requirements</a:t>
+              </a:r>
+            </a:p>
+            <a:p>
+              <a:r>
+                <a:rPr lang="en-US" altLang="zh-CN" sz="2400" dirty="0">
+                  <a:solidFill>
+                    <a:schemeClr val="bg1"/>
+                  </a:solidFill>
+                  <a:latin typeface="微软雅黑 Light" panose="020B0502040204020203" pitchFamily="34" charset="-122"/>
+                  <a:ea typeface="微软雅黑 Light" panose="020B0502040204020203" pitchFamily="34" charset="-122"/>
+                </a:rPr>
+                <a:t>analysis</a:t>
+              </a:r>
+              <a:endParaRPr lang="zh-CN" altLang="en-US" sz="2400" dirty="0">
+                <a:solidFill>
+                  <a:schemeClr val="bg1"/>
+                </a:solidFill>
+                <a:latin typeface="微软雅黑 Light" panose="020B0502040204020203" pitchFamily="34" charset="-122"/>
+                <a:ea typeface="微软雅黑 Light" panose="020B0502040204020203" pitchFamily="34" charset="-122"/>
+              </a:endParaRPr>
+            </a:p>
+          </p:txBody>
+        </p:sp>
+      </p:grpSp>
+      <p:sp>
+        <p:nvSpPr>
+          <p:cNvPr id="3" name="文本框 2">
+            <a:extLst>
+              <a:ext uri="{FF2B5EF4-FFF2-40B4-BE49-F238E27FC236}">
+                <a16:creationId xmlns:a16="http://schemas.microsoft.com/office/drawing/2014/main" id="{B29B01A7-DEB7-4789-87A2-4C5C62E169CD}"/>
+              </a:ext>
+            </a:extLst>
+          </p:cNvPr>
+          <p:cNvSpPr txBox="1"/>
+          <p:nvPr/>
+        </p:nvSpPr>
+        <p:spPr>
+          <a:xfrm>
+            <a:off x="2657365" y="237843"/>
             <a:ext cx="2900153" cy="400110"/>
           </a:xfrm>
           <a:prstGeom prst="rect">
@@ -5950,7 +6609,7 @@
 </p:sld>
 </file>
 
-<file path=ppt/slides/slide13.xml><?xml version="1.0" encoding="utf-8"?>
+<file path=ppt/slides/slide15.xml><?xml version="1.0" encoding="utf-8"?>
 <p:sld xmlns:a="http://schemas.openxmlformats.org/drawingml/2006/main" xmlns:r="http://schemas.openxmlformats.org/officeDocument/2006/relationships" xmlns:p="http://schemas.openxmlformats.org/presentationml/2006/main">
   <p:cSld>
     <p:spTree>
@@ -6469,7 +7128,7 @@
 </p:sld>
 </file>
 
-<file path=ppt/slides/slide14.xml><?xml version="1.0" encoding="utf-8"?>
+<file path=ppt/slides/slide16.xml><?xml version="1.0" encoding="utf-8"?>
 <p:sld xmlns:a="http://schemas.openxmlformats.org/drawingml/2006/main" xmlns:r="http://schemas.openxmlformats.org/officeDocument/2006/relationships" xmlns:p="http://schemas.openxmlformats.org/presentationml/2006/main">
   <p:cSld>
     <p:spTree>
@@ -6837,7 +7496,7 @@
 </p:sld>
 </file>
 
-<file path=ppt/slides/slide15.xml><?xml version="1.0" encoding="utf-8"?>
+<file path=ppt/slides/slide17.xml><?xml version="1.0" encoding="utf-8"?>
 <p:sld xmlns:a="http://schemas.openxmlformats.org/drawingml/2006/main" xmlns:r="http://schemas.openxmlformats.org/officeDocument/2006/relationships" xmlns:p="http://schemas.openxmlformats.org/presentationml/2006/main">
   <p:cSld>
     <p:spTree>
@@ -7161,7 +7820,7 @@
           <a:graphicData uri="http://schemas.openxmlformats.org/presentationml/2006/ole">
             <mc:AlternateContent xmlns:mc="http://schemas.openxmlformats.org/markup-compatibility/2006">
               <mc:Choice xmlns:v="urn:schemas-microsoft-com:vml" Requires="v">
-                <p:oleObj spid="_x0000_s1029" r:id="rId3" imgW="7372328" imgH="1876478" progId="Visio.Drawing.15">
+                <p:oleObj spid="_x0000_s1032" r:id="rId3" imgW="7372328" imgH="1876478" progId="Visio.Drawing.15">
                   <p:embed/>
                 </p:oleObj>
               </mc:Choice>
@@ -7326,7 +7985,7 @@
 </p:sld>
 </file>
 
-<file path=ppt/slides/slide16.xml><?xml version="1.0" encoding="utf-8"?>
+<file path=ppt/slides/slide18.xml><?xml version="1.0" encoding="utf-8"?>
 <p:sld xmlns:a="http://schemas.openxmlformats.org/drawingml/2006/main" xmlns:r="http://schemas.openxmlformats.org/officeDocument/2006/relationships" xmlns:p="http://schemas.openxmlformats.org/presentationml/2006/main">
   <p:cSld>
     <p:spTree>
@@ -7517,13 +8176,13 @@
           <p:nvPr>
             <p:extLst>
               <p:ext uri="{D42A27DB-BD31-4B8C-83A1-F6EECF244321}">
-                <p14:modId xmlns:p14="http://schemas.microsoft.com/office/powerpoint/2010/main" val="4284737286"/>
+                <p14:modId xmlns:p14="http://schemas.microsoft.com/office/powerpoint/2010/main" val="1703544095"/>
               </p:ext>
             </p:extLst>
           </p:nvPr>
         </p:nvGraphicFramePr>
         <p:xfrm>
-          <a:off x="3009137" y="222063"/>
+          <a:off x="2982504" y="1283703"/>
           <a:ext cx="5760911" cy="4149101"/>
         </p:xfrm>
         <a:graphic>
@@ -7694,7 +8353,7 @@
                         <a:rPr lang="en-US" altLang="zh-CN" sz="1050" kern="100" dirty="0">
                           <a:effectLst/>
                         </a:rPr>
-                        <a:t>6</a:t>
+                        <a:t>11</a:t>
                       </a:r>
                       <a:r>
                         <a:rPr lang="en-US" sz="1050" kern="100" dirty="0">
@@ -8116,6 +8775,36 @@
                         </a:rPr>
                         <a:t>。</a:t>
                       </a:r>
+                      <a:endParaRPr lang="en-US" altLang="zh-CN" sz="1050" kern="100" dirty="0">
+                        <a:effectLst/>
+                      </a:endParaRPr>
+                    </a:p>
+                    <a:p>
+                      <a:pPr marL="0" lvl="0" indent="0" algn="just">
+                        <a:lnSpc>
+                          <a:spcPct val="200000"/>
+                        </a:lnSpc>
+                        <a:spcAft>
+                          <a:spcPts val="0"/>
+                        </a:spcAft>
+                        <a:buFont typeface="+mj-lt"/>
+                        <a:buNone/>
+                      </a:pPr>
+                      <a:r>
+                        <a:rPr lang="en-US" altLang="zh-CN" sz="1050" kern="100" dirty="0">
+                          <a:effectLst/>
+                        </a:rPr>
+                        <a:t>4.</a:t>
+                      </a:r>
+                      <a:r>
+                        <a:rPr lang="zh-CN" altLang="en-US" sz="1050" kern="100" dirty="0">
+                          <a:effectLst/>
+                        </a:rPr>
+                        <a:t>        交互界面的设计讨论</a:t>
+                      </a:r>
+                      <a:endParaRPr lang="zh-CN" sz="1050" kern="100" dirty="0">
+                        <a:effectLst/>
+                      </a:endParaRPr>
                     </a:p>
                     <a:p>
                       <a:pPr indent="76200" algn="just">
@@ -8155,8 +8844,17 @@
                         <a:rPr lang="en-US" altLang="zh-CN" sz="1050" kern="100" dirty="0">
                           <a:effectLst/>
                         </a:rPr>
-                        <a:t>ppt</a:t>
+                        <a:t>ppt </a:t>
                       </a:r>
+                      <a:r>
+                        <a:rPr lang="zh-CN" altLang="en-US" sz="1050" kern="100" dirty="0">
+                          <a:effectLst/>
+                        </a:rPr>
+                        <a:t>制作交互页面</a:t>
+                      </a:r>
+                      <a:endParaRPr lang="en-US" altLang="zh-CN" sz="1050" kern="100" dirty="0">
+                        <a:effectLst/>
+                      </a:endParaRPr>
                     </a:p>
                     <a:p>
                       <a:pPr marL="0" marR="0" lvl="0" indent="76200" algn="just" defTabSz="914400" rtl="0" eaLnBrk="1" fontAlgn="auto" latinLnBrk="0" hangingPunct="1">
@@ -8211,7 +8909,7 @@
                         <a:rPr lang="zh-CN" altLang="en-US" sz="1050" kern="100" dirty="0">
                           <a:effectLst/>
                         </a:rPr>
-                        <a:t>王子超 无</a:t>
+                        <a:t>王子超  对面向用户收集调查反馈</a:t>
                       </a:r>
                       <a:endParaRPr lang="zh-CN" sz="1050" kern="100" dirty="0">
                         <a:effectLst/>
@@ -8285,7 +8983,7 @@
 </p:sld>
 </file>
 
-<file path=ppt/slides/slide17.xml><?xml version="1.0" encoding="utf-8"?>
+<file path=ppt/slides/slide19.xml><?xml version="1.0" encoding="utf-8"?>
 <p:sld xmlns:a="http://schemas.openxmlformats.org/drawingml/2006/main" xmlns:r="http://schemas.openxmlformats.org/officeDocument/2006/relationships" xmlns:p="http://schemas.openxmlformats.org/presentationml/2006/main">
   <p:cSld>
     <p:spTree>
@@ -8659,96 +9357,6 @@
     <p:extLst>
       <p:ext uri="{BB962C8B-B14F-4D97-AF65-F5344CB8AC3E}">
         <p14:creationId xmlns:p14="http://schemas.microsoft.com/office/powerpoint/2010/main" val="2112348188"/>
-      </p:ext>
-    </p:extLst>
-  </p:cSld>
-  <p:clrMapOvr>
-    <a:masterClrMapping/>
-  </p:clrMapOvr>
-  <mc:AlternateContent xmlns:mc="http://schemas.openxmlformats.org/markup-compatibility/2006" xmlns:p14="http://schemas.microsoft.com/office/powerpoint/2010/main">
-    <mc:Choice Requires="p14">
-      <p:transition spd="med" p14:dur="700">
-        <p:fade/>
-      </p:transition>
-    </mc:Choice>
-    <mc:Fallback xmlns="">
-      <p:transition spd="med">
-        <p:fade/>
-      </p:transition>
-    </mc:Fallback>
-  </mc:AlternateContent>
-</p:sld>
-</file>
-
-<file path=ppt/slides/slide18.xml><?xml version="1.0" encoding="utf-8"?>
-<p:sld xmlns:a="http://schemas.openxmlformats.org/drawingml/2006/main" xmlns:r="http://schemas.openxmlformats.org/officeDocument/2006/relationships" xmlns:p="http://schemas.openxmlformats.org/presentationml/2006/main">
-  <p:cSld>
-    <p:spTree>
-      <p:nvGrpSpPr>
-        <p:cNvPr id="1" name=""/>
-        <p:cNvGrpSpPr/>
-        <p:nvPr/>
-      </p:nvGrpSpPr>
-      <p:grpSpPr>
-        <a:xfrm>
-          <a:off x="0" y="0"/>
-          <a:ext cx="0" cy="0"/>
-          <a:chOff x="0" y="0"/>
-          <a:chExt cx="0" cy="0"/>
-        </a:xfrm>
-      </p:grpSpPr>
-      <p:sp>
-        <p:nvSpPr>
-          <p:cNvPr id="2" name="文本框 1">
-            <a:extLst>
-              <a:ext uri="{FF2B5EF4-FFF2-40B4-BE49-F238E27FC236}">
-                <a16:creationId xmlns:a16="http://schemas.microsoft.com/office/drawing/2014/main" id="{5420444D-18A6-449F-8030-13F8A138B989}"/>
-              </a:ext>
-            </a:extLst>
-          </p:cNvPr>
-          <p:cNvSpPr txBox="1"/>
-          <p:nvPr/>
-        </p:nvSpPr>
-        <p:spPr>
-          <a:xfrm>
-            <a:off x="1593267" y="2844227"/>
-            <a:ext cx="5911618" cy="584775"/>
-          </a:xfrm>
-          <a:prstGeom prst="rect">
-            <a:avLst/>
-          </a:prstGeom>
-          <a:noFill/>
-        </p:spPr>
-        <p:txBody>
-          <a:bodyPr wrap="none" rtlCol="0">
-            <a:spAutoFit/>
-          </a:bodyPr>
-          <a:lstStyle/>
-          <a:p>
-            <a:r>
-              <a:rPr lang="en-US" altLang="zh-CN" sz="3200" dirty="0">
-                <a:solidFill>
-                  <a:schemeClr val="accent1"/>
-                </a:solidFill>
-                <a:latin typeface="微软雅黑" panose="020B0503020204020204" pitchFamily="34" charset="-122"/>
-                <a:ea typeface="微软雅黑" panose="020B0503020204020204" pitchFamily="34" charset="-122"/>
-              </a:rPr>
-              <a:t>THANK YOU FOR WATCHING</a:t>
-            </a:r>
-            <a:endParaRPr lang="zh-CN" altLang="en-US" sz="3200" dirty="0">
-              <a:solidFill>
-                <a:schemeClr val="accent1"/>
-              </a:solidFill>
-              <a:latin typeface="微软雅黑" panose="020B0503020204020204" pitchFamily="34" charset="-122"/>
-              <a:ea typeface="微软雅黑" panose="020B0503020204020204" pitchFamily="34" charset="-122"/>
-            </a:endParaRPr>
-          </a:p>
-        </p:txBody>
-      </p:sp>
-    </p:spTree>
-    <p:extLst>
-      <p:ext uri="{BB962C8B-B14F-4D97-AF65-F5344CB8AC3E}">
-        <p14:creationId xmlns:p14="http://schemas.microsoft.com/office/powerpoint/2010/main" val="4016827130"/>
       </p:ext>
     </p:extLst>
   </p:cSld>
@@ -9203,6 +9811,96 @@
     <p:extLst>
       <p:ext uri="{BB962C8B-B14F-4D97-AF65-F5344CB8AC3E}">
         <p14:creationId xmlns:p14="http://schemas.microsoft.com/office/powerpoint/2010/main" val="1333868194"/>
+      </p:ext>
+    </p:extLst>
+  </p:cSld>
+  <p:clrMapOvr>
+    <a:masterClrMapping/>
+  </p:clrMapOvr>
+  <mc:AlternateContent xmlns:mc="http://schemas.openxmlformats.org/markup-compatibility/2006" xmlns:p14="http://schemas.microsoft.com/office/powerpoint/2010/main">
+    <mc:Choice Requires="p14">
+      <p:transition spd="med" p14:dur="700">
+        <p:fade/>
+      </p:transition>
+    </mc:Choice>
+    <mc:Fallback xmlns="">
+      <p:transition spd="med">
+        <p:fade/>
+      </p:transition>
+    </mc:Fallback>
+  </mc:AlternateContent>
+</p:sld>
+</file>
+
+<file path=ppt/slides/slide20.xml><?xml version="1.0" encoding="utf-8"?>
+<p:sld xmlns:a="http://schemas.openxmlformats.org/drawingml/2006/main" xmlns:r="http://schemas.openxmlformats.org/officeDocument/2006/relationships" xmlns:p="http://schemas.openxmlformats.org/presentationml/2006/main">
+  <p:cSld>
+    <p:spTree>
+      <p:nvGrpSpPr>
+        <p:cNvPr id="1" name=""/>
+        <p:cNvGrpSpPr/>
+        <p:nvPr/>
+      </p:nvGrpSpPr>
+      <p:grpSpPr>
+        <a:xfrm>
+          <a:off x="0" y="0"/>
+          <a:ext cx="0" cy="0"/>
+          <a:chOff x="0" y="0"/>
+          <a:chExt cx="0" cy="0"/>
+        </a:xfrm>
+      </p:grpSpPr>
+      <p:sp>
+        <p:nvSpPr>
+          <p:cNvPr id="2" name="文本框 1">
+            <a:extLst>
+              <a:ext uri="{FF2B5EF4-FFF2-40B4-BE49-F238E27FC236}">
+                <a16:creationId xmlns:a16="http://schemas.microsoft.com/office/drawing/2014/main" id="{5420444D-18A6-449F-8030-13F8A138B989}"/>
+              </a:ext>
+            </a:extLst>
+          </p:cNvPr>
+          <p:cNvSpPr txBox="1"/>
+          <p:nvPr/>
+        </p:nvSpPr>
+        <p:spPr>
+          <a:xfrm>
+            <a:off x="1593267" y="2844227"/>
+            <a:ext cx="5911618" cy="584775"/>
+          </a:xfrm>
+          <a:prstGeom prst="rect">
+            <a:avLst/>
+          </a:prstGeom>
+          <a:noFill/>
+        </p:spPr>
+        <p:txBody>
+          <a:bodyPr wrap="none" rtlCol="0">
+            <a:spAutoFit/>
+          </a:bodyPr>
+          <a:lstStyle/>
+          <a:p>
+            <a:r>
+              <a:rPr lang="en-US" altLang="zh-CN" sz="3200" dirty="0">
+                <a:solidFill>
+                  <a:schemeClr val="accent1"/>
+                </a:solidFill>
+                <a:latin typeface="微软雅黑" panose="020B0503020204020204" pitchFamily="34" charset="-122"/>
+                <a:ea typeface="微软雅黑" panose="020B0503020204020204" pitchFamily="34" charset="-122"/>
+              </a:rPr>
+              <a:t>THANK YOU FOR WATCHING</a:t>
+            </a:r>
+            <a:endParaRPr lang="zh-CN" altLang="en-US" sz="3200" dirty="0">
+              <a:solidFill>
+                <a:schemeClr val="accent1"/>
+              </a:solidFill>
+              <a:latin typeface="微软雅黑" panose="020B0503020204020204" pitchFamily="34" charset="-122"/>
+              <a:ea typeface="微软雅黑" panose="020B0503020204020204" pitchFamily="34" charset="-122"/>
+            </a:endParaRPr>
+          </a:p>
+        </p:txBody>
+      </p:sp>
+    </p:spTree>
+    <p:extLst>
+      <p:ext uri="{BB962C8B-B14F-4D97-AF65-F5344CB8AC3E}">
+        <p14:creationId xmlns:p14="http://schemas.microsoft.com/office/powerpoint/2010/main" val="4016827130"/>
       </p:ext>
     </p:extLst>
   </p:cSld>
@@ -10398,6 +11096,1012 @@
       </p:grpSpPr>
       <p:grpSp>
         <p:nvGrpSpPr>
+          <p:cNvPr id="14" name="组合 2">
+            <a:extLst>
+              <a:ext uri="{FF2B5EF4-FFF2-40B4-BE49-F238E27FC236}">
+                <a16:creationId xmlns:a16="http://schemas.microsoft.com/office/drawing/2014/main" id="{AC579923-1C81-470D-991D-41135C46ADB1}"/>
+              </a:ext>
+            </a:extLst>
+          </p:cNvPr>
+          <p:cNvGrpSpPr/>
+          <p:nvPr/>
+        </p:nvGrpSpPr>
+        <p:grpSpPr>
+          <a:xfrm>
+            <a:off x="0" y="0"/>
+            <a:ext cx="2311882" cy="6858000"/>
+            <a:chOff x="0" y="0"/>
+            <a:chExt cx="2311882" cy="6858000"/>
+          </a:xfrm>
+        </p:grpSpPr>
+        <p:sp>
+          <p:nvSpPr>
+            <p:cNvPr id="17" name="矩形 16">
+              <a:extLst>
+                <a:ext uri="{FF2B5EF4-FFF2-40B4-BE49-F238E27FC236}">
+                  <a16:creationId xmlns:a16="http://schemas.microsoft.com/office/drawing/2014/main" id="{707A22D1-6283-4694-9BDA-E0CA5B7B902C}"/>
+                </a:ext>
+              </a:extLst>
+            </p:cNvPr>
+            <p:cNvSpPr/>
+            <p:nvPr/>
+          </p:nvSpPr>
+          <p:spPr>
+            <a:xfrm>
+              <a:off x="0" y="0"/>
+              <a:ext cx="2311882" cy="6858000"/>
+            </a:xfrm>
+            <a:prstGeom prst="rect">
+              <a:avLst/>
+            </a:prstGeom>
+            <a:ln>
+              <a:noFill/>
+            </a:ln>
+          </p:spPr>
+          <p:style>
+            <a:lnRef idx="2">
+              <a:schemeClr val="accent1">
+                <a:shade val="50000"/>
+              </a:schemeClr>
+            </a:lnRef>
+            <a:fillRef idx="1">
+              <a:schemeClr val="accent1"/>
+            </a:fillRef>
+            <a:effectRef idx="0">
+              <a:schemeClr val="accent1"/>
+            </a:effectRef>
+            <a:fontRef idx="minor">
+              <a:schemeClr val="lt1"/>
+            </a:fontRef>
+          </p:style>
+          <p:txBody>
+            <a:bodyPr rtlCol="0" anchor="ctr"/>
+            <a:lstStyle/>
+            <a:p>
+              <a:pPr algn="ctr"/>
+              <a:endParaRPr lang="zh-CN" altLang="en-US"/>
+            </a:p>
+          </p:txBody>
+        </p:sp>
+        <p:sp>
+          <p:nvSpPr>
+            <p:cNvPr id="18" name="文本框 17">
+              <a:extLst>
+                <a:ext uri="{FF2B5EF4-FFF2-40B4-BE49-F238E27FC236}">
+                  <a16:creationId xmlns:a16="http://schemas.microsoft.com/office/drawing/2014/main" id="{2DC17080-AB22-44B0-BD13-733CBAFAA0D3}"/>
+                </a:ext>
+              </a:extLst>
+            </p:cNvPr>
+            <p:cNvSpPr txBox="1"/>
+            <p:nvPr/>
+          </p:nvSpPr>
+          <p:spPr>
+            <a:xfrm>
+              <a:off x="179962" y="756880"/>
+              <a:ext cx="1396536" cy="646331"/>
+            </a:xfrm>
+            <a:prstGeom prst="rect">
+              <a:avLst/>
+            </a:prstGeom>
+            <a:noFill/>
+            <a:ln>
+              <a:noFill/>
+            </a:ln>
+          </p:spPr>
+          <p:txBody>
+            <a:bodyPr wrap="none" rtlCol="0">
+              <a:spAutoFit/>
+            </a:bodyPr>
+            <a:lstStyle/>
+            <a:p>
+              <a:r>
+                <a:rPr lang="en-US" altLang="zh-CN" sz="3600" dirty="0">
+                  <a:solidFill>
+                    <a:schemeClr val="bg1"/>
+                  </a:solidFill>
+                  <a:latin typeface="微软雅黑 Light" panose="020B0502040204020203" pitchFamily="34" charset="-122"/>
+                  <a:ea typeface="微软雅黑 Light" panose="020B0502040204020203" pitchFamily="34" charset="-122"/>
+                </a:rPr>
+                <a:t>1.</a:t>
+              </a:r>
+              <a:r>
+                <a:rPr lang="zh-CN" altLang="en-US" sz="3600" dirty="0">
+                  <a:solidFill>
+                    <a:schemeClr val="bg1"/>
+                  </a:solidFill>
+                  <a:latin typeface="微软雅黑 Light" panose="020B0502040204020203" pitchFamily="34" charset="-122"/>
+                  <a:ea typeface="微软雅黑 Light" panose="020B0502040204020203" pitchFamily="34" charset="-122"/>
+                </a:rPr>
+                <a:t>引言</a:t>
+              </a:r>
+            </a:p>
+          </p:txBody>
+        </p:sp>
+        <p:sp>
+          <p:nvSpPr>
+            <p:cNvPr id="19" name="文本框 18">
+              <a:extLst>
+                <a:ext uri="{FF2B5EF4-FFF2-40B4-BE49-F238E27FC236}">
+                  <a16:creationId xmlns:a16="http://schemas.microsoft.com/office/drawing/2014/main" id="{85D5BD3F-DEB9-4813-B82A-7E32195A7A6E}"/>
+                </a:ext>
+              </a:extLst>
+            </p:cNvPr>
+            <p:cNvSpPr txBox="1"/>
+            <p:nvPr/>
+          </p:nvSpPr>
+          <p:spPr>
+            <a:xfrm>
+              <a:off x="179962" y="1454011"/>
+              <a:ext cx="1992567" cy="461665"/>
+            </a:xfrm>
+            <a:prstGeom prst="rect">
+              <a:avLst/>
+            </a:prstGeom>
+            <a:noFill/>
+            <a:ln>
+              <a:noFill/>
+            </a:ln>
+          </p:spPr>
+          <p:txBody>
+            <a:bodyPr wrap="square" rtlCol="0">
+              <a:spAutoFit/>
+            </a:bodyPr>
+            <a:lstStyle/>
+            <a:p>
+              <a:r>
+                <a:rPr lang="en-US" altLang="zh-CN" sz="2400" dirty="0">
+                  <a:solidFill>
+                    <a:schemeClr val="bg1"/>
+                  </a:solidFill>
+                  <a:latin typeface="微软雅黑 Light" panose="020B0502040204020203" pitchFamily="34" charset="-122"/>
+                  <a:ea typeface="微软雅黑 Light" panose="020B0502040204020203" pitchFamily="34" charset="-122"/>
+                </a:rPr>
+                <a:t>Introduction</a:t>
+              </a:r>
+              <a:endParaRPr lang="zh-CN" altLang="en-US" sz="2400" dirty="0">
+                <a:solidFill>
+                  <a:schemeClr val="bg1"/>
+                </a:solidFill>
+                <a:latin typeface="微软雅黑 Light" panose="020B0502040204020203" pitchFamily="34" charset="-122"/>
+                <a:ea typeface="微软雅黑 Light" panose="020B0502040204020203" pitchFamily="34" charset="-122"/>
+              </a:endParaRPr>
+            </a:p>
+          </p:txBody>
+        </p:sp>
+      </p:grpSp>
+      <p:sp>
+        <p:nvSpPr>
+          <p:cNvPr id="26" name="矩形 25"/>
+          <p:cNvSpPr/>
+          <p:nvPr/>
+        </p:nvSpPr>
+        <p:spPr>
+          <a:xfrm>
+            <a:off x="2349840" y="80228"/>
+            <a:ext cx="5570219" cy="400110"/>
+          </a:xfrm>
+          <a:prstGeom prst="rect">
+            <a:avLst/>
+          </a:prstGeom>
+        </p:spPr>
+        <p:txBody>
+          <a:bodyPr wrap="square">
+            <a:spAutoFit/>
+          </a:bodyPr>
+          <a:lstStyle/>
+          <a:p>
+            <a:r>
+              <a:rPr lang="zh-CN" altLang="en-US" sz="2000" dirty="0">
+                <a:latin typeface="微软雅黑" panose="020B0503020204020204" pitchFamily="34" charset="-122"/>
+                <a:ea typeface="微软雅黑" panose="020B0503020204020204" pitchFamily="34" charset="-122"/>
+              </a:rPr>
+              <a:t>  项目呈现（已存在相关应用界面参考）</a:t>
+            </a:r>
+            <a:endParaRPr lang="en-US" altLang="zh-CN" sz="2000" dirty="0">
+              <a:latin typeface="微软雅黑" panose="020B0503020204020204" pitchFamily="34" charset="-122"/>
+              <a:ea typeface="微软雅黑" panose="020B0503020204020204" pitchFamily="34" charset="-122"/>
+            </a:endParaRPr>
+          </a:p>
+        </p:txBody>
+      </p:sp>
+      <p:pic>
+        <p:nvPicPr>
+          <p:cNvPr id="27" name="图片 26">
+            <a:extLst>
+              <a:ext uri="{FF2B5EF4-FFF2-40B4-BE49-F238E27FC236}">
+                <a16:creationId xmlns:a16="http://schemas.microsoft.com/office/drawing/2014/main" id="{18317B74-F025-4736-957D-8CA28032A73D}"/>
+              </a:ext>
+            </a:extLst>
+          </p:cNvPr>
+          <p:cNvPicPr>
+            <a:picLocks noChangeAspect="1"/>
+          </p:cNvPicPr>
+          <p:nvPr/>
+        </p:nvPicPr>
+        <p:blipFill>
+          <a:blip r:embed="rId2">
+            <a:extLst>
+              <a:ext uri="{28A0092B-C50C-407E-A947-70E740481C1C}">
+                <a14:useLocalDpi xmlns:a14="http://schemas.microsoft.com/office/drawing/2010/main" val="0"/>
+              </a:ext>
+            </a:extLst>
+          </a:blip>
+          <a:stretch>
+            <a:fillRect/>
+          </a:stretch>
+        </p:blipFill>
+        <p:spPr>
+          <a:xfrm>
+            <a:off x="2402242" y="531144"/>
+            <a:ext cx="3095871" cy="4905872"/>
+          </a:xfrm>
+          <a:prstGeom prst="rect">
+            <a:avLst/>
+          </a:prstGeom>
+        </p:spPr>
+      </p:pic>
+      <p:pic>
+        <p:nvPicPr>
+          <p:cNvPr id="28" name="图片 27">
+            <a:extLst>
+              <a:ext uri="{FF2B5EF4-FFF2-40B4-BE49-F238E27FC236}">
+                <a16:creationId xmlns:a16="http://schemas.microsoft.com/office/drawing/2014/main" id="{349B940D-D090-46C1-A989-65D78B31C08D}"/>
+              </a:ext>
+            </a:extLst>
+          </p:cNvPr>
+          <p:cNvPicPr>
+            <a:picLocks noChangeAspect="1"/>
+          </p:cNvPicPr>
+          <p:nvPr/>
+        </p:nvPicPr>
+        <p:blipFill>
+          <a:blip r:embed="rId3">
+            <a:extLst>
+              <a:ext uri="{28A0092B-C50C-407E-A947-70E740481C1C}">
+                <a14:useLocalDpi xmlns:a14="http://schemas.microsoft.com/office/drawing/2010/main" val="0"/>
+              </a:ext>
+            </a:extLst>
+          </a:blip>
+          <a:stretch>
+            <a:fillRect/>
+          </a:stretch>
+        </p:blipFill>
+        <p:spPr>
+          <a:xfrm>
+            <a:off x="4411611" y="531144"/>
+            <a:ext cx="2485203" cy="5003495"/>
+          </a:xfrm>
+          <a:prstGeom prst="rect">
+            <a:avLst/>
+          </a:prstGeom>
+        </p:spPr>
+      </p:pic>
+      <p:pic>
+        <p:nvPicPr>
+          <p:cNvPr id="29" name="图片 28">
+            <a:extLst>
+              <a:ext uri="{FF2B5EF4-FFF2-40B4-BE49-F238E27FC236}">
+                <a16:creationId xmlns:a16="http://schemas.microsoft.com/office/drawing/2014/main" id="{BC48D884-C062-48C4-B2BA-B0F29679E35D}"/>
+              </a:ext>
+            </a:extLst>
+          </p:cNvPr>
+          <p:cNvPicPr>
+            <a:picLocks noChangeAspect="1"/>
+          </p:cNvPicPr>
+          <p:nvPr/>
+        </p:nvPicPr>
+        <p:blipFill rotWithShape="1">
+          <a:blip r:embed="rId4">
+            <a:extLst>
+              <a:ext uri="{28A0092B-C50C-407E-A947-70E740481C1C}">
+                <a14:useLocalDpi xmlns:a14="http://schemas.microsoft.com/office/drawing/2010/main" val="0"/>
+              </a:ext>
+            </a:extLst>
+          </a:blip>
+          <a:srcRect l="-1" t="3870" r="598" b="3870"/>
+          <a:stretch/>
+        </p:blipFill>
+        <p:spPr>
+          <a:xfrm>
+            <a:off x="6588773" y="588167"/>
+            <a:ext cx="2490836" cy="5003494"/>
+          </a:xfrm>
+          <a:prstGeom prst="rect">
+            <a:avLst/>
+          </a:prstGeom>
+        </p:spPr>
+      </p:pic>
+    </p:spTree>
+    <p:extLst>
+      <p:ext uri="{BB962C8B-B14F-4D97-AF65-F5344CB8AC3E}">
+        <p14:creationId xmlns:p14="http://schemas.microsoft.com/office/powerpoint/2010/main" val="2429012428"/>
+      </p:ext>
+    </p:extLst>
+  </p:cSld>
+  <p:clrMapOvr>
+    <a:masterClrMapping/>
+  </p:clrMapOvr>
+  <mc:AlternateContent xmlns:mc="http://schemas.openxmlformats.org/markup-compatibility/2006" xmlns:p14="http://schemas.microsoft.com/office/powerpoint/2010/main">
+    <mc:Choice Requires="p14">
+      <p:transition spd="med" p14:dur="700">
+        <p:fade/>
+      </p:transition>
+    </mc:Choice>
+    <mc:Fallback xmlns="">
+      <p:transition spd="med">
+        <p:fade/>
+      </p:transition>
+    </mc:Fallback>
+  </mc:AlternateContent>
+  <p:timing>
+    <p:tnLst>
+      <p:par>
+        <p:cTn id="1" dur="indefinite" restart="never" nodeType="tmRoot">
+          <p:childTnLst>
+            <p:seq concurrent="1" nextAc="seek">
+              <p:cTn id="2" dur="indefinite" nodeType="mainSeq">
+                <p:childTnLst>
+                  <p:par>
+                    <p:cTn id="3" fill="hold">
+                      <p:stCondLst>
+                        <p:cond delay="indefinite"/>
+                      </p:stCondLst>
+                      <p:childTnLst>
+                        <p:par>
+                          <p:cTn id="4" fill="hold">
+                            <p:stCondLst>
+                              <p:cond delay="0"/>
+                            </p:stCondLst>
+                            <p:childTnLst>
+                              <p:par>
+                                <p:cTn id="5" presetID="2" presetClass="entr" presetSubtype="4" fill="hold" nodeType="clickEffect">
+                                  <p:stCondLst>
+                                    <p:cond delay="0"/>
+                                  </p:stCondLst>
+                                  <p:childTnLst>
+                                    <p:set>
+                                      <p:cBhvr>
+                                        <p:cTn id="6" dur="1" fill="hold">
+                                          <p:stCondLst>
+                                            <p:cond delay="0"/>
+                                          </p:stCondLst>
+                                        </p:cTn>
+                                        <p:tgtEl>
+                                          <p:spTgt spid="27"/>
+                                        </p:tgtEl>
+                                        <p:attrNameLst>
+                                          <p:attrName>style.visibility</p:attrName>
+                                        </p:attrNameLst>
+                                      </p:cBhvr>
+                                      <p:to>
+                                        <p:strVal val="visible"/>
+                                      </p:to>
+                                    </p:set>
+                                    <p:anim calcmode="lin" valueType="num">
+                                      <p:cBhvr additive="base">
+                                        <p:cTn id="7" dur="500" fill="hold"/>
+                                        <p:tgtEl>
+                                          <p:spTgt spid="27"/>
+                                        </p:tgtEl>
+                                        <p:attrNameLst>
+                                          <p:attrName>ppt_x</p:attrName>
+                                        </p:attrNameLst>
+                                      </p:cBhvr>
+                                      <p:tavLst>
+                                        <p:tav tm="0">
+                                          <p:val>
+                                            <p:strVal val="#ppt_x"/>
+                                          </p:val>
+                                        </p:tav>
+                                        <p:tav tm="100000">
+                                          <p:val>
+                                            <p:strVal val="#ppt_x"/>
+                                          </p:val>
+                                        </p:tav>
+                                      </p:tavLst>
+                                    </p:anim>
+                                    <p:anim calcmode="lin" valueType="num">
+                                      <p:cBhvr additive="base">
+                                        <p:cTn id="8" dur="500" fill="hold"/>
+                                        <p:tgtEl>
+                                          <p:spTgt spid="27"/>
+                                        </p:tgtEl>
+                                        <p:attrNameLst>
+                                          <p:attrName>ppt_y</p:attrName>
+                                        </p:attrNameLst>
+                                      </p:cBhvr>
+                                      <p:tavLst>
+                                        <p:tav tm="0">
+                                          <p:val>
+                                            <p:strVal val="1+#ppt_h/2"/>
+                                          </p:val>
+                                        </p:tav>
+                                        <p:tav tm="100000">
+                                          <p:val>
+                                            <p:strVal val="#ppt_y"/>
+                                          </p:val>
+                                        </p:tav>
+                                      </p:tavLst>
+                                    </p:anim>
+                                  </p:childTnLst>
+                                </p:cTn>
+                              </p:par>
+                            </p:childTnLst>
+                          </p:cTn>
+                        </p:par>
+                      </p:childTnLst>
+                    </p:cTn>
+                  </p:par>
+                  <p:par>
+                    <p:cTn id="9" fill="hold">
+                      <p:stCondLst>
+                        <p:cond delay="indefinite"/>
+                      </p:stCondLst>
+                      <p:childTnLst>
+                        <p:par>
+                          <p:cTn id="10" fill="hold">
+                            <p:stCondLst>
+                              <p:cond delay="0"/>
+                            </p:stCondLst>
+                            <p:childTnLst>
+                              <p:par>
+                                <p:cTn id="11" presetID="2" presetClass="entr" presetSubtype="4" fill="hold" nodeType="clickEffect">
+                                  <p:stCondLst>
+                                    <p:cond delay="0"/>
+                                  </p:stCondLst>
+                                  <p:childTnLst>
+                                    <p:set>
+                                      <p:cBhvr>
+                                        <p:cTn id="12" dur="1" fill="hold">
+                                          <p:stCondLst>
+                                            <p:cond delay="0"/>
+                                          </p:stCondLst>
+                                        </p:cTn>
+                                        <p:tgtEl>
+                                          <p:spTgt spid="28"/>
+                                        </p:tgtEl>
+                                        <p:attrNameLst>
+                                          <p:attrName>style.visibility</p:attrName>
+                                        </p:attrNameLst>
+                                      </p:cBhvr>
+                                      <p:to>
+                                        <p:strVal val="visible"/>
+                                      </p:to>
+                                    </p:set>
+                                    <p:anim calcmode="lin" valueType="num">
+                                      <p:cBhvr additive="base">
+                                        <p:cTn id="13" dur="500" fill="hold"/>
+                                        <p:tgtEl>
+                                          <p:spTgt spid="28"/>
+                                        </p:tgtEl>
+                                        <p:attrNameLst>
+                                          <p:attrName>ppt_x</p:attrName>
+                                        </p:attrNameLst>
+                                      </p:cBhvr>
+                                      <p:tavLst>
+                                        <p:tav tm="0">
+                                          <p:val>
+                                            <p:strVal val="#ppt_x"/>
+                                          </p:val>
+                                        </p:tav>
+                                        <p:tav tm="100000">
+                                          <p:val>
+                                            <p:strVal val="#ppt_x"/>
+                                          </p:val>
+                                        </p:tav>
+                                      </p:tavLst>
+                                    </p:anim>
+                                    <p:anim calcmode="lin" valueType="num">
+                                      <p:cBhvr additive="base">
+                                        <p:cTn id="14" dur="500" fill="hold"/>
+                                        <p:tgtEl>
+                                          <p:spTgt spid="28"/>
+                                        </p:tgtEl>
+                                        <p:attrNameLst>
+                                          <p:attrName>ppt_y</p:attrName>
+                                        </p:attrNameLst>
+                                      </p:cBhvr>
+                                      <p:tavLst>
+                                        <p:tav tm="0">
+                                          <p:val>
+                                            <p:strVal val="1+#ppt_h/2"/>
+                                          </p:val>
+                                        </p:tav>
+                                        <p:tav tm="100000">
+                                          <p:val>
+                                            <p:strVal val="#ppt_y"/>
+                                          </p:val>
+                                        </p:tav>
+                                      </p:tavLst>
+                                    </p:anim>
+                                  </p:childTnLst>
+                                </p:cTn>
+                              </p:par>
+                            </p:childTnLst>
+                          </p:cTn>
+                        </p:par>
+                      </p:childTnLst>
+                    </p:cTn>
+                  </p:par>
+                  <p:par>
+                    <p:cTn id="15" fill="hold">
+                      <p:stCondLst>
+                        <p:cond delay="indefinite"/>
+                      </p:stCondLst>
+                      <p:childTnLst>
+                        <p:par>
+                          <p:cTn id="16" fill="hold">
+                            <p:stCondLst>
+                              <p:cond delay="0"/>
+                            </p:stCondLst>
+                            <p:childTnLst>
+                              <p:par>
+                                <p:cTn id="17" presetID="2" presetClass="entr" presetSubtype="4" fill="hold" nodeType="clickEffect">
+                                  <p:stCondLst>
+                                    <p:cond delay="0"/>
+                                  </p:stCondLst>
+                                  <p:childTnLst>
+                                    <p:set>
+                                      <p:cBhvr>
+                                        <p:cTn id="18" dur="1" fill="hold">
+                                          <p:stCondLst>
+                                            <p:cond delay="0"/>
+                                          </p:stCondLst>
+                                        </p:cTn>
+                                        <p:tgtEl>
+                                          <p:spTgt spid="29"/>
+                                        </p:tgtEl>
+                                        <p:attrNameLst>
+                                          <p:attrName>style.visibility</p:attrName>
+                                        </p:attrNameLst>
+                                      </p:cBhvr>
+                                      <p:to>
+                                        <p:strVal val="visible"/>
+                                      </p:to>
+                                    </p:set>
+                                    <p:anim calcmode="lin" valueType="num">
+                                      <p:cBhvr additive="base">
+                                        <p:cTn id="19" dur="500" fill="hold"/>
+                                        <p:tgtEl>
+                                          <p:spTgt spid="29"/>
+                                        </p:tgtEl>
+                                        <p:attrNameLst>
+                                          <p:attrName>ppt_x</p:attrName>
+                                        </p:attrNameLst>
+                                      </p:cBhvr>
+                                      <p:tavLst>
+                                        <p:tav tm="0">
+                                          <p:val>
+                                            <p:strVal val="#ppt_x"/>
+                                          </p:val>
+                                        </p:tav>
+                                        <p:tav tm="100000">
+                                          <p:val>
+                                            <p:strVal val="#ppt_x"/>
+                                          </p:val>
+                                        </p:tav>
+                                      </p:tavLst>
+                                    </p:anim>
+                                    <p:anim calcmode="lin" valueType="num">
+                                      <p:cBhvr additive="base">
+                                        <p:cTn id="20" dur="500" fill="hold"/>
+                                        <p:tgtEl>
+                                          <p:spTgt spid="29"/>
+                                        </p:tgtEl>
+                                        <p:attrNameLst>
+                                          <p:attrName>ppt_y</p:attrName>
+                                        </p:attrNameLst>
+                                      </p:cBhvr>
+                                      <p:tavLst>
+                                        <p:tav tm="0">
+                                          <p:val>
+                                            <p:strVal val="1+#ppt_h/2"/>
+                                          </p:val>
+                                        </p:tav>
+                                        <p:tav tm="100000">
+                                          <p:val>
+                                            <p:strVal val="#ppt_y"/>
+                                          </p:val>
+                                        </p:tav>
+                                      </p:tavLst>
+                                    </p:anim>
+                                  </p:childTnLst>
+                                </p:cTn>
+                              </p:par>
+                            </p:childTnLst>
+                          </p:cTn>
+                        </p:par>
+                      </p:childTnLst>
+                    </p:cTn>
+                  </p:par>
+                </p:childTnLst>
+              </p:cTn>
+              <p:prevCondLst>
+                <p:cond evt="onPrev" delay="0">
+                  <p:tgtEl>
+                    <p:sldTgt/>
+                  </p:tgtEl>
+                </p:cond>
+              </p:prevCondLst>
+              <p:nextCondLst>
+                <p:cond evt="onNext" delay="0">
+                  <p:tgtEl>
+                    <p:sldTgt/>
+                  </p:tgtEl>
+                </p:cond>
+              </p:nextCondLst>
+            </p:seq>
+          </p:childTnLst>
+        </p:cTn>
+      </p:par>
+    </p:tnLst>
+  </p:timing>
+</p:sld>
+</file>
+
+<file path=ppt/slides/slide7.xml><?xml version="1.0" encoding="utf-8"?>
+<p:sld xmlns:a="http://schemas.openxmlformats.org/drawingml/2006/main" xmlns:r="http://schemas.openxmlformats.org/officeDocument/2006/relationships" xmlns:p="http://schemas.openxmlformats.org/presentationml/2006/main">
+  <p:cSld>
+    <p:spTree>
+      <p:nvGrpSpPr>
+        <p:cNvPr id="1" name=""/>
+        <p:cNvGrpSpPr/>
+        <p:nvPr/>
+      </p:nvGrpSpPr>
+      <p:grpSpPr>
+        <a:xfrm>
+          <a:off x="0" y="0"/>
+          <a:ext cx="0" cy="0"/>
+          <a:chOff x="0" y="0"/>
+          <a:chExt cx="0" cy="0"/>
+        </a:xfrm>
+      </p:grpSpPr>
+      <p:grpSp>
+        <p:nvGrpSpPr>
+          <p:cNvPr id="14" name="组合 2">
+            <a:extLst>
+              <a:ext uri="{FF2B5EF4-FFF2-40B4-BE49-F238E27FC236}">
+                <a16:creationId xmlns:a16="http://schemas.microsoft.com/office/drawing/2014/main" id="{AC579923-1C81-470D-991D-41135C46ADB1}"/>
+              </a:ext>
+            </a:extLst>
+          </p:cNvPr>
+          <p:cNvGrpSpPr/>
+          <p:nvPr/>
+        </p:nvGrpSpPr>
+        <p:grpSpPr>
+          <a:xfrm>
+            <a:off x="0" y="0"/>
+            <a:ext cx="2311882" cy="6858000"/>
+            <a:chOff x="0" y="0"/>
+            <a:chExt cx="2311882" cy="6858000"/>
+          </a:xfrm>
+        </p:grpSpPr>
+        <p:sp>
+          <p:nvSpPr>
+            <p:cNvPr id="17" name="矩形 16">
+              <a:extLst>
+                <a:ext uri="{FF2B5EF4-FFF2-40B4-BE49-F238E27FC236}">
+                  <a16:creationId xmlns:a16="http://schemas.microsoft.com/office/drawing/2014/main" id="{707A22D1-6283-4694-9BDA-E0CA5B7B902C}"/>
+                </a:ext>
+              </a:extLst>
+            </p:cNvPr>
+            <p:cNvSpPr/>
+            <p:nvPr/>
+          </p:nvSpPr>
+          <p:spPr>
+            <a:xfrm>
+              <a:off x="0" y="0"/>
+              <a:ext cx="2311882" cy="6858000"/>
+            </a:xfrm>
+            <a:prstGeom prst="rect">
+              <a:avLst/>
+            </a:prstGeom>
+            <a:ln>
+              <a:noFill/>
+            </a:ln>
+          </p:spPr>
+          <p:style>
+            <a:lnRef idx="2">
+              <a:schemeClr val="accent1">
+                <a:shade val="50000"/>
+              </a:schemeClr>
+            </a:lnRef>
+            <a:fillRef idx="1">
+              <a:schemeClr val="accent1"/>
+            </a:fillRef>
+            <a:effectRef idx="0">
+              <a:schemeClr val="accent1"/>
+            </a:effectRef>
+            <a:fontRef idx="minor">
+              <a:schemeClr val="lt1"/>
+            </a:fontRef>
+          </p:style>
+          <p:txBody>
+            <a:bodyPr rtlCol="0" anchor="ctr"/>
+            <a:lstStyle/>
+            <a:p>
+              <a:pPr algn="ctr"/>
+              <a:endParaRPr lang="zh-CN" altLang="en-US"/>
+            </a:p>
+          </p:txBody>
+        </p:sp>
+        <p:sp>
+          <p:nvSpPr>
+            <p:cNvPr id="18" name="文本框 17">
+              <a:extLst>
+                <a:ext uri="{FF2B5EF4-FFF2-40B4-BE49-F238E27FC236}">
+                  <a16:creationId xmlns:a16="http://schemas.microsoft.com/office/drawing/2014/main" id="{2DC17080-AB22-44B0-BD13-733CBAFAA0D3}"/>
+                </a:ext>
+              </a:extLst>
+            </p:cNvPr>
+            <p:cNvSpPr txBox="1"/>
+            <p:nvPr/>
+          </p:nvSpPr>
+          <p:spPr>
+            <a:xfrm>
+              <a:off x="179962" y="756880"/>
+              <a:ext cx="1396536" cy="646331"/>
+            </a:xfrm>
+            <a:prstGeom prst="rect">
+              <a:avLst/>
+            </a:prstGeom>
+            <a:noFill/>
+            <a:ln>
+              <a:noFill/>
+            </a:ln>
+          </p:spPr>
+          <p:txBody>
+            <a:bodyPr wrap="none" rtlCol="0">
+              <a:spAutoFit/>
+            </a:bodyPr>
+            <a:lstStyle/>
+            <a:p>
+              <a:r>
+                <a:rPr lang="en-US" altLang="zh-CN" sz="3600" dirty="0">
+                  <a:solidFill>
+                    <a:schemeClr val="bg1"/>
+                  </a:solidFill>
+                  <a:latin typeface="微软雅黑 Light" panose="020B0502040204020203" pitchFamily="34" charset="-122"/>
+                  <a:ea typeface="微软雅黑 Light" panose="020B0502040204020203" pitchFamily="34" charset="-122"/>
+                </a:rPr>
+                <a:t>1.</a:t>
+              </a:r>
+              <a:r>
+                <a:rPr lang="zh-CN" altLang="en-US" sz="3600" dirty="0">
+                  <a:solidFill>
+                    <a:schemeClr val="bg1"/>
+                  </a:solidFill>
+                  <a:latin typeface="微软雅黑 Light" panose="020B0502040204020203" pitchFamily="34" charset="-122"/>
+                  <a:ea typeface="微软雅黑 Light" panose="020B0502040204020203" pitchFamily="34" charset="-122"/>
+                </a:rPr>
+                <a:t>引言</a:t>
+              </a:r>
+            </a:p>
+          </p:txBody>
+        </p:sp>
+        <p:sp>
+          <p:nvSpPr>
+            <p:cNvPr id="19" name="文本框 18">
+              <a:extLst>
+                <a:ext uri="{FF2B5EF4-FFF2-40B4-BE49-F238E27FC236}">
+                  <a16:creationId xmlns:a16="http://schemas.microsoft.com/office/drawing/2014/main" id="{85D5BD3F-DEB9-4813-B82A-7E32195A7A6E}"/>
+                </a:ext>
+              </a:extLst>
+            </p:cNvPr>
+            <p:cNvSpPr txBox="1"/>
+            <p:nvPr/>
+          </p:nvSpPr>
+          <p:spPr>
+            <a:xfrm>
+              <a:off x="179962" y="1454011"/>
+              <a:ext cx="1992567" cy="461665"/>
+            </a:xfrm>
+            <a:prstGeom prst="rect">
+              <a:avLst/>
+            </a:prstGeom>
+            <a:noFill/>
+            <a:ln>
+              <a:noFill/>
+            </a:ln>
+          </p:spPr>
+          <p:txBody>
+            <a:bodyPr wrap="square" rtlCol="0">
+              <a:spAutoFit/>
+            </a:bodyPr>
+            <a:lstStyle/>
+            <a:p>
+              <a:r>
+                <a:rPr lang="en-US" altLang="zh-CN" sz="2400" dirty="0">
+                  <a:solidFill>
+                    <a:schemeClr val="bg1"/>
+                  </a:solidFill>
+                  <a:latin typeface="微软雅黑 Light" panose="020B0502040204020203" pitchFamily="34" charset="-122"/>
+                  <a:ea typeface="微软雅黑 Light" panose="020B0502040204020203" pitchFamily="34" charset="-122"/>
+                </a:rPr>
+                <a:t>Introduction</a:t>
+              </a:r>
+              <a:endParaRPr lang="zh-CN" altLang="en-US" sz="2400" dirty="0">
+                <a:solidFill>
+                  <a:schemeClr val="bg1"/>
+                </a:solidFill>
+                <a:latin typeface="微软雅黑 Light" panose="020B0502040204020203" pitchFamily="34" charset="-122"/>
+                <a:ea typeface="微软雅黑 Light" panose="020B0502040204020203" pitchFamily="34" charset="-122"/>
+              </a:endParaRPr>
+            </a:p>
+          </p:txBody>
+        </p:sp>
+      </p:grpSp>
+      <p:sp>
+        <p:nvSpPr>
+          <p:cNvPr id="26" name="矩形 25"/>
+          <p:cNvSpPr/>
+          <p:nvPr/>
+        </p:nvSpPr>
+        <p:spPr>
+          <a:xfrm>
+            <a:off x="2349840" y="80228"/>
+            <a:ext cx="5570219" cy="400110"/>
+          </a:xfrm>
+          <a:prstGeom prst="rect">
+            <a:avLst/>
+          </a:prstGeom>
+        </p:spPr>
+        <p:txBody>
+          <a:bodyPr wrap="square">
+            <a:spAutoFit/>
+          </a:bodyPr>
+          <a:lstStyle/>
+          <a:p>
+            <a:r>
+              <a:rPr lang="zh-CN" altLang="en-US" sz="2000" dirty="0">
+                <a:latin typeface="微软雅黑" panose="020B0503020204020204" pitchFamily="34" charset="-122"/>
+                <a:ea typeface="微软雅黑" panose="020B0503020204020204" pitchFamily="34" charset="-122"/>
+              </a:rPr>
+              <a:t>  项目呈现</a:t>
+            </a:r>
+            <a:endParaRPr lang="en-US" altLang="zh-CN" sz="2000" dirty="0">
+              <a:latin typeface="微软雅黑" panose="020B0503020204020204" pitchFamily="34" charset="-122"/>
+              <a:ea typeface="微软雅黑" panose="020B0503020204020204" pitchFamily="34" charset="-122"/>
+            </a:endParaRPr>
+          </a:p>
+        </p:txBody>
+      </p:sp>
+      <p:grpSp>
+        <p:nvGrpSpPr>
+          <p:cNvPr id="8" name="组合 7">
+            <a:extLst>
+              <a:ext uri="{FF2B5EF4-FFF2-40B4-BE49-F238E27FC236}">
+                <a16:creationId xmlns:a16="http://schemas.microsoft.com/office/drawing/2014/main" id="{2A84E760-B6B6-4B65-8EAC-8BFBC6C8007E}"/>
+              </a:ext>
+            </a:extLst>
+          </p:cNvPr>
+          <p:cNvGrpSpPr/>
+          <p:nvPr/>
+        </p:nvGrpSpPr>
+        <p:grpSpPr>
+          <a:xfrm>
+            <a:off x="4150593" y="1403211"/>
+            <a:ext cx="2834308" cy="5637320"/>
+            <a:chOff x="2978741" y="756880"/>
+            <a:chExt cx="2834308" cy="5637320"/>
+          </a:xfrm>
+        </p:grpSpPr>
+        <p:pic>
+          <p:nvPicPr>
+            <p:cNvPr id="3" name="图片 2">
+              <a:extLst>
+                <a:ext uri="{FF2B5EF4-FFF2-40B4-BE49-F238E27FC236}">
+                  <a16:creationId xmlns:a16="http://schemas.microsoft.com/office/drawing/2014/main" id="{A39E5DAE-C862-45AA-86A6-9B0531C97833}"/>
+                </a:ext>
+              </a:extLst>
+            </p:cNvPr>
+            <p:cNvPicPr>
+              <a:picLocks noChangeAspect="1"/>
+            </p:cNvPicPr>
+            <p:nvPr/>
+          </p:nvPicPr>
+          <p:blipFill rotWithShape="1">
+            <a:blip r:embed="rId2">
+              <a:extLst>
+                <a:ext uri="{28A0092B-C50C-407E-A947-70E740481C1C}">
+                  <a14:useLocalDpi xmlns:a14="http://schemas.microsoft.com/office/drawing/2010/main" val="0"/>
+                </a:ext>
+              </a:extLst>
+            </a:blip>
+            <a:srcRect l="1" t="4660" r="130" b="3560"/>
+            <a:stretch/>
+          </p:blipFill>
+          <p:spPr>
+            <a:xfrm>
+              <a:off x="2978741" y="756880"/>
+              <a:ext cx="2834308" cy="5637320"/>
+            </a:xfrm>
+            <a:prstGeom prst="rect">
+              <a:avLst/>
+            </a:prstGeom>
+          </p:spPr>
+        </p:pic>
+        <p:pic>
+          <p:nvPicPr>
+            <p:cNvPr id="7" name="图片 6">
+              <a:extLst>
+                <a:ext uri="{FF2B5EF4-FFF2-40B4-BE49-F238E27FC236}">
+                  <a16:creationId xmlns:a16="http://schemas.microsoft.com/office/drawing/2014/main" id="{6DF8C8F3-65FB-40E0-B7FA-0E8D29BEE895}"/>
+                </a:ext>
+              </a:extLst>
+            </p:cNvPr>
+            <p:cNvPicPr>
+              <a:picLocks noChangeAspect="1"/>
+            </p:cNvPicPr>
+            <p:nvPr/>
+          </p:nvPicPr>
+          <p:blipFill>
+            <a:blip r:embed="rId3">
+              <a:extLst>
+                <a:ext uri="{28A0092B-C50C-407E-A947-70E740481C1C}">
+                  <a14:useLocalDpi xmlns:a14="http://schemas.microsoft.com/office/drawing/2010/main" val="0"/>
+                </a:ext>
+              </a:extLst>
+            </a:blip>
+            <a:stretch>
+              <a:fillRect/>
+            </a:stretch>
+          </p:blipFill>
+          <p:spPr>
+            <a:xfrm>
+              <a:off x="3825844" y="2405971"/>
+              <a:ext cx="1140102" cy="1078205"/>
+            </a:xfrm>
+            <a:prstGeom prst="rect">
+              <a:avLst/>
+            </a:prstGeom>
+          </p:spPr>
+        </p:pic>
+      </p:grpSp>
+    </p:spTree>
+    <p:extLst>
+      <p:ext uri="{BB962C8B-B14F-4D97-AF65-F5344CB8AC3E}">
+        <p14:creationId xmlns:p14="http://schemas.microsoft.com/office/powerpoint/2010/main" val="3383010967"/>
+      </p:ext>
+    </p:extLst>
+  </p:cSld>
+  <p:clrMapOvr>
+    <a:masterClrMapping/>
+  </p:clrMapOvr>
+  <mc:AlternateContent xmlns:mc="http://schemas.openxmlformats.org/markup-compatibility/2006" xmlns:p14="http://schemas.microsoft.com/office/powerpoint/2010/main">
+    <mc:Choice Requires="p14">
+      <p:transition spd="med" p14:dur="700">
+        <p:fade/>
+      </p:transition>
+    </mc:Choice>
+    <mc:Fallback xmlns="">
+      <p:transition spd="med">
+        <p:fade/>
+      </p:transition>
+    </mc:Fallback>
+  </mc:AlternateContent>
+</p:sld>
+</file>
+
+<file path=ppt/slides/slide8.xml><?xml version="1.0" encoding="utf-8"?>
+<p:sld xmlns:a="http://schemas.openxmlformats.org/drawingml/2006/main" xmlns:r="http://schemas.openxmlformats.org/officeDocument/2006/relationships" xmlns:p="http://schemas.openxmlformats.org/presentationml/2006/main">
+  <p:cSld>
+    <p:spTree>
+      <p:nvGrpSpPr>
+        <p:cNvPr id="1" name=""/>
+        <p:cNvGrpSpPr/>
+        <p:nvPr/>
+      </p:nvGrpSpPr>
+      <p:grpSpPr>
+        <a:xfrm>
+          <a:off x="0" y="0"/>
+          <a:ext cx="0" cy="0"/>
+          <a:chOff x="0" y="0"/>
+          <a:chExt cx="0" cy="0"/>
+        </a:xfrm>
+      </p:grpSpPr>
+      <p:grpSp>
+        <p:nvGrpSpPr>
           <p:cNvPr id="4" name="组合 2">
             <a:extLst>
               <a:ext uri="{FF2B5EF4-FFF2-40B4-BE49-F238E27FC236}">
@@ -11308,652 +13012,6 @@
     <p:extLst>
       <p:ext uri="{BB962C8B-B14F-4D97-AF65-F5344CB8AC3E}">
         <p14:creationId xmlns:p14="http://schemas.microsoft.com/office/powerpoint/2010/main" val="2272920266"/>
-      </p:ext>
-    </p:extLst>
-  </p:cSld>
-  <p:clrMapOvr>
-    <a:masterClrMapping/>
-  </p:clrMapOvr>
-  <mc:AlternateContent xmlns:mc="http://schemas.openxmlformats.org/markup-compatibility/2006" xmlns:p14="http://schemas.microsoft.com/office/powerpoint/2010/main">
-    <mc:Choice Requires="p14">
-      <p:transition spd="med" p14:dur="700">
-        <p:fade/>
-      </p:transition>
-    </mc:Choice>
-    <mc:Fallback xmlns="">
-      <p:transition spd="med">
-        <p:fade/>
-      </p:transition>
-    </mc:Fallback>
-  </mc:AlternateContent>
-</p:sld>
-</file>
-
-<file path=ppt/slides/slide7.xml><?xml version="1.0" encoding="utf-8"?>
-<p:sld xmlns:a="http://schemas.openxmlformats.org/drawingml/2006/main" xmlns:r="http://schemas.openxmlformats.org/officeDocument/2006/relationships" xmlns:p="http://schemas.openxmlformats.org/presentationml/2006/main">
-  <p:cSld>
-    <p:spTree>
-      <p:nvGrpSpPr>
-        <p:cNvPr id="1" name=""/>
-        <p:cNvGrpSpPr/>
-        <p:nvPr/>
-      </p:nvGrpSpPr>
-      <p:grpSpPr>
-        <a:xfrm>
-          <a:off x="0" y="0"/>
-          <a:ext cx="0" cy="0"/>
-          <a:chOff x="0" y="0"/>
-          <a:chExt cx="0" cy="0"/>
-        </a:xfrm>
-      </p:grpSpPr>
-      <p:grpSp>
-        <p:nvGrpSpPr>
-          <p:cNvPr id="13" name="组合 2">
-            <a:extLst>
-              <a:ext uri="{FF2B5EF4-FFF2-40B4-BE49-F238E27FC236}">
-                <a16:creationId xmlns:a16="http://schemas.microsoft.com/office/drawing/2014/main" id="{AC579923-1C81-470D-991D-41135C46ADB1}"/>
-              </a:ext>
-            </a:extLst>
-          </p:cNvPr>
-          <p:cNvGrpSpPr/>
-          <p:nvPr/>
-        </p:nvGrpSpPr>
-        <p:grpSpPr>
-          <a:xfrm>
-            <a:off x="0" y="0"/>
-            <a:ext cx="2311882" cy="6858000"/>
-            <a:chOff x="0" y="0"/>
-            <a:chExt cx="2311882" cy="6858000"/>
-          </a:xfrm>
-        </p:grpSpPr>
-        <p:sp>
-          <p:nvSpPr>
-            <p:cNvPr id="14" name="矩形 13">
-              <a:extLst>
-                <a:ext uri="{FF2B5EF4-FFF2-40B4-BE49-F238E27FC236}">
-                  <a16:creationId xmlns:a16="http://schemas.microsoft.com/office/drawing/2014/main" id="{707A22D1-6283-4694-9BDA-E0CA5B7B902C}"/>
-                </a:ext>
-              </a:extLst>
-            </p:cNvPr>
-            <p:cNvSpPr/>
-            <p:nvPr/>
-          </p:nvSpPr>
-          <p:spPr>
-            <a:xfrm>
-              <a:off x="0" y="0"/>
-              <a:ext cx="2311882" cy="6858000"/>
-            </a:xfrm>
-            <a:prstGeom prst="rect">
-              <a:avLst/>
-            </a:prstGeom>
-            <a:ln>
-              <a:noFill/>
-            </a:ln>
-          </p:spPr>
-          <p:style>
-            <a:lnRef idx="2">
-              <a:schemeClr val="accent1">
-                <a:shade val="50000"/>
-              </a:schemeClr>
-            </a:lnRef>
-            <a:fillRef idx="1">
-              <a:schemeClr val="accent1"/>
-            </a:fillRef>
-            <a:effectRef idx="0">
-              <a:schemeClr val="accent1"/>
-            </a:effectRef>
-            <a:fontRef idx="minor">
-              <a:schemeClr val="lt1"/>
-            </a:fontRef>
-          </p:style>
-          <p:txBody>
-            <a:bodyPr rtlCol="0" anchor="ctr"/>
-            <a:lstStyle/>
-            <a:p>
-              <a:pPr algn="ctr"/>
-              <a:endParaRPr lang="zh-CN" altLang="en-US"/>
-            </a:p>
-          </p:txBody>
-        </p:sp>
-        <p:sp>
-          <p:nvSpPr>
-            <p:cNvPr id="15" name="文本框 14">
-              <a:extLst>
-                <a:ext uri="{FF2B5EF4-FFF2-40B4-BE49-F238E27FC236}">
-                  <a16:creationId xmlns:a16="http://schemas.microsoft.com/office/drawing/2014/main" id="{2DC17080-AB22-44B0-BD13-733CBAFAA0D3}"/>
-                </a:ext>
-              </a:extLst>
-            </p:cNvPr>
-            <p:cNvSpPr txBox="1"/>
-            <p:nvPr/>
-          </p:nvSpPr>
-          <p:spPr>
-            <a:xfrm>
-              <a:off x="179961" y="756880"/>
-              <a:ext cx="2131921" cy="1200329"/>
-            </a:xfrm>
-            <a:prstGeom prst="rect">
-              <a:avLst/>
-            </a:prstGeom>
-            <a:noFill/>
-            <a:ln>
-              <a:noFill/>
-            </a:ln>
-          </p:spPr>
-          <p:txBody>
-            <a:bodyPr wrap="square" rtlCol="0">
-              <a:spAutoFit/>
-            </a:bodyPr>
-            <a:lstStyle/>
-            <a:p>
-              <a:r>
-                <a:rPr lang="zh-CN" altLang="en-US" sz="3600" kern="100" dirty="0">
-                  <a:solidFill>
-                    <a:schemeClr val="bg1"/>
-                  </a:solidFill>
-                  <a:latin typeface="微软雅黑 Light" panose="020B0502040204020203" pitchFamily="34" charset="-122"/>
-                  <a:ea typeface="微软雅黑 Light" panose="020B0502040204020203" pitchFamily="34" charset="-122"/>
-                </a:rPr>
-                <a:t>具体需求分析</a:t>
-              </a:r>
-            </a:p>
-          </p:txBody>
-        </p:sp>
-        <p:sp>
-          <p:nvSpPr>
-            <p:cNvPr id="16" name="文本框 15">
-              <a:extLst>
-                <a:ext uri="{FF2B5EF4-FFF2-40B4-BE49-F238E27FC236}">
-                  <a16:creationId xmlns:a16="http://schemas.microsoft.com/office/drawing/2014/main" id="{85D5BD3F-DEB9-4813-B82A-7E32195A7A6E}"/>
-                </a:ext>
-              </a:extLst>
-            </p:cNvPr>
-            <p:cNvSpPr txBox="1"/>
-            <p:nvPr/>
-          </p:nvSpPr>
-          <p:spPr>
-            <a:xfrm>
-              <a:off x="159657" y="1883092"/>
-              <a:ext cx="1992567" cy="1200329"/>
-            </a:xfrm>
-            <a:prstGeom prst="rect">
-              <a:avLst/>
-            </a:prstGeom>
-            <a:noFill/>
-            <a:ln>
-              <a:noFill/>
-            </a:ln>
-          </p:spPr>
-          <p:txBody>
-            <a:bodyPr wrap="square" rtlCol="0">
-              <a:spAutoFit/>
-            </a:bodyPr>
-            <a:lstStyle/>
-            <a:p>
-              <a:r>
-                <a:rPr lang="en-US" altLang="zh-CN" sz="2400" dirty="0">
-                  <a:solidFill>
-                    <a:schemeClr val="bg1"/>
-                  </a:solidFill>
-                  <a:latin typeface="微软雅黑 Light" panose="020B0502040204020203" pitchFamily="34" charset="-122"/>
-                  <a:ea typeface="微软雅黑 Light" panose="020B0502040204020203" pitchFamily="34" charset="-122"/>
-                </a:rPr>
-                <a:t>Specific requirements</a:t>
-              </a:r>
-            </a:p>
-            <a:p>
-              <a:r>
-                <a:rPr lang="en-US" altLang="zh-CN" sz="2400" dirty="0">
-                  <a:solidFill>
-                    <a:schemeClr val="bg1"/>
-                  </a:solidFill>
-                  <a:latin typeface="微软雅黑 Light" panose="020B0502040204020203" pitchFamily="34" charset="-122"/>
-                  <a:ea typeface="微软雅黑 Light" panose="020B0502040204020203" pitchFamily="34" charset="-122"/>
-                </a:rPr>
-                <a:t>analysis</a:t>
-              </a:r>
-              <a:endParaRPr lang="zh-CN" altLang="en-US" sz="2400" dirty="0">
-                <a:solidFill>
-                  <a:schemeClr val="bg1"/>
-                </a:solidFill>
-                <a:latin typeface="微软雅黑 Light" panose="020B0502040204020203" pitchFamily="34" charset="-122"/>
-                <a:ea typeface="微软雅黑 Light" panose="020B0502040204020203" pitchFamily="34" charset="-122"/>
-              </a:endParaRPr>
-            </a:p>
-          </p:txBody>
-        </p:sp>
-      </p:grpSp>
-      <p:sp>
-        <p:nvSpPr>
-          <p:cNvPr id="3" name="文本框 2">
-            <a:extLst>
-              <a:ext uri="{FF2B5EF4-FFF2-40B4-BE49-F238E27FC236}">
-                <a16:creationId xmlns:a16="http://schemas.microsoft.com/office/drawing/2014/main" id="{B29B01A7-DEB7-4789-87A2-4C5C62E169CD}"/>
-              </a:ext>
-            </a:extLst>
-          </p:cNvPr>
-          <p:cNvSpPr txBox="1"/>
-          <p:nvPr/>
-        </p:nvSpPr>
-        <p:spPr>
-          <a:xfrm>
-            <a:off x="2657365" y="237843"/>
-            <a:ext cx="1617751" cy="400110"/>
-          </a:xfrm>
-          <a:prstGeom prst="rect">
-            <a:avLst/>
-          </a:prstGeom>
-          <a:noFill/>
-        </p:spPr>
-        <p:txBody>
-          <a:bodyPr wrap="none" rtlCol="0">
-            <a:spAutoFit/>
-          </a:bodyPr>
-          <a:lstStyle/>
-          <a:p>
-            <a:r>
-              <a:rPr lang="en-US" altLang="zh-CN" sz="2000" dirty="0">
-                <a:latin typeface="微软雅黑" panose="020B0503020204020204" pitchFamily="34" charset="-122"/>
-                <a:ea typeface="微软雅黑" panose="020B0503020204020204" pitchFamily="34" charset="-122"/>
-              </a:rPr>
-              <a:t>1</a:t>
-            </a:r>
-            <a:r>
-              <a:rPr lang="zh-CN" altLang="en-US" sz="2000" dirty="0">
-                <a:latin typeface="微软雅黑" panose="020B0503020204020204" pitchFamily="34" charset="-122"/>
-                <a:ea typeface="微软雅黑" panose="020B0503020204020204" pitchFamily="34" charset="-122"/>
-              </a:rPr>
-              <a:t>、功能需求</a:t>
-            </a:r>
-          </a:p>
-        </p:txBody>
-      </p:sp>
-      <p:sp>
-        <p:nvSpPr>
-          <p:cNvPr id="5" name="文本框 4">
-            <a:extLst>
-              <a:ext uri="{FF2B5EF4-FFF2-40B4-BE49-F238E27FC236}">
-                <a16:creationId xmlns:a16="http://schemas.microsoft.com/office/drawing/2014/main" id="{FFD139B6-518B-473B-91DA-D1378AEF9FEC}"/>
-              </a:ext>
-            </a:extLst>
-          </p:cNvPr>
-          <p:cNvSpPr txBox="1"/>
-          <p:nvPr/>
-        </p:nvSpPr>
-        <p:spPr>
-          <a:xfrm>
-            <a:off x="2657365" y="693497"/>
-            <a:ext cx="5765780" cy="2862322"/>
-          </a:xfrm>
-          <a:prstGeom prst="rect">
-            <a:avLst/>
-          </a:prstGeom>
-          <a:noFill/>
-        </p:spPr>
-        <p:txBody>
-          <a:bodyPr wrap="square" rtlCol="0">
-            <a:spAutoFit/>
-          </a:bodyPr>
-          <a:lstStyle/>
-          <a:p>
-            <a:pPr lvl="0"/>
-            <a:r>
-              <a:rPr lang="zh-CN" altLang="en-US" sz="2000" dirty="0"/>
-              <a:t>本项目开发的总目标为：能实现在用户学习过程中能够记录每一个同学的课表、上课时间、地点、任课老师等课程信息，并通过推送消息的方式提醒学生按时上课，同时添加未完成事项的类似备忘录的功能确保每位同学按时完成作业或者其他待办事项。</a:t>
-            </a:r>
-          </a:p>
-          <a:p>
-            <a:pPr lvl="0"/>
-            <a:r>
-              <a:rPr lang="zh-CN" altLang="en-US" sz="2000" dirty="0"/>
-              <a:t>主要分为四个模块：登陆注册模块正式用户功能模块，管理员功能模块。</a:t>
-            </a:r>
-            <a:endParaRPr lang="en-US" altLang="zh-CN" sz="2000" dirty="0"/>
-          </a:p>
-          <a:p>
-            <a:pPr lvl="0"/>
-            <a:r>
-              <a:rPr lang="zh-CN" altLang="en-US" sz="2000" dirty="0"/>
-              <a:t>具体子系统功能模块在</a:t>
-            </a:r>
-            <a:r>
-              <a:rPr lang="en-US" altLang="zh-CN" sz="2000" dirty="0"/>
-              <a:t>word</a:t>
-            </a:r>
-            <a:r>
-              <a:rPr lang="zh-CN" altLang="en-US" sz="2000" dirty="0"/>
-              <a:t>中</a:t>
-            </a:r>
-          </a:p>
-        </p:txBody>
-      </p:sp>
-    </p:spTree>
-    <p:extLst>
-      <p:ext uri="{BB962C8B-B14F-4D97-AF65-F5344CB8AC3E}">
-        <p14:creationId xmlns:p14="http://schemas.microsoft.com/office/powerpoint/2010/main" val="585948074"/>
-      </p:ext>
-    </p:extLst>
-  </p:cSld>
-  <p:clrMapOvr>
-    <a:masterClrMapping/>
-  </p:clrMapOvr>
-  <mc:AlternateContent xmlns:mc="http://schemas.openxmlformats.org/markup-compatibility/2006" xmlns:p14="http://schemas.microsoft.com/office/powerpoint/2010/main">
-    <mc:Choice Requires="p14">
-      <p:transition spd="med" p14:dur="700">
-        <p:fade/>
-      </p:transition>
-    </mc:Choice>
-    <mc:Fallback xmlns="">
-      <p:transition spd="med">
-        <p:fade/>
-      </p:transition>
-    </mc:Fallback>
-  </mc:AlternateContent>
-</p:sld>
-</file>
-
-<file path=ppt/slides/slide8.xml><?xml version="1.0" encoding="utf-8"?>
-<p:sld xmlns:a="http://schemas.openxmlformats.org/drawingml/2006/main" xmlns:r="http://schemas.openxmlformats.org/officeDocument/2006/relationships" xmlns:p="http://schemas.openxmlformats.org/presentationml/2006/main">
-  <p:cSld>
-    <p:spTree>
-      <p:nvGrpSpPr>
-        <p:cNvPr id="1" name=""/>
-        <p:cNvGrpSpPr/>
-        <p:nvPr/>
-      </p:nvGrpSpPr>
-      <p:grpSpPr>
-        <a:xfrm>
-          <a:off x="0" y="0"/>
-          <a:ext cx="0" cy="0"/>
-          <a:chOff x="0" y="0"/>
-          <a:chExt cx="0" cy="0"/>
-        </a:xfrm>
-      </p:grpSpPr>
-      <p:grpSp>
-        <p:nvGrpSpPr>
-          <p:cNvPr id="13" name="组合 2">
-            <a:extLst>
-              <a:ext uri="{FF2B5EF4-FFF2-40B4-BE49-F238E27FC236}">
-                <a16:creationId xmlns:a16="http://schemas.microsoft.com/office/drawing/2014/main" id="{AC579923-1C81-470D-991D-41135C46ADB1}"/>
-              </a:ext>
-            </a:extLst>
-          </p:cNvPr>
-          <p:cNvGrpSpPr/>
-          <p:nvPr/>
-        </p:nvGrpSpPr>
-        <p:grpSpPr>
-          <a:xfrm>
-            <a:off x="0" y="0"/>
-            <a:ext cx="2311882" cy="6858000"/>
-            <a:chOff x="0" y="0"/>
-            <a:chExt cx="2311882" cy="6858000"/>
-          </a:xfrm>
-        </p:grpSpPr>
-        <p:sp>
-          <p:nvSpPr>
-            <p:cNvPr id="14" name="矩形 13">
-              <a:extLst>
-                <a:ext uri="{FF2B5EF4-FFF2-40B4-BE49-F238E27FC236}">
-                  <a16:creationId xmlns:a16="http://schemas.microsoft.com/office/drawing/2014/main" id="{707A22D1-6283-4694-9BDA-E0CA5B7B902C}"/>
-                </a:ext>
-              </a:extLst>
-            </p:cNvPr>
-            <p:cNvSpPr/>
-            <p:nvPr/>
-          </p:nvSpPr>
-          <p:spPr>
-            <a:xfrm>
-              <a:off x="0" y="0"/>
-              <a:ext cx="2311882" cy="6858000"/>
-            </a:xfrm>
-            <a:prstGeom prst="rect">
-              <a:avLst/>
-            </a:prstGeom>
-            <a:ln>
-              <a:noFill/>
-            </a:ln>
-          </p:spPr>
-          <p:style>
-            <a:lnRef idx="2">
-              <a:schemeClr val="accent1">
-                <a:shade val="50000"/>
-              </a:schemeClr>
-            </a:lnRef>
-            <a:fillRef idx="1">
-              <a:schemeClr val="accent1"/>
-            </a:fillRef>
-            <a:effectRef idx="0">
-              <a:schemeClr val="accent1"/>
-            </a:effectRef>
-            <a:fontRef idx="minor">
-              <a:schemeClr val="lt1"/>
-            </a:fontRef>
-          </p:style>
-          <p:txBody>
-            <a:bodyPr rtlCol="0" anchor="ctr"/>
-            <a:lstStyle/>
-            <a:p>
-              <a:pPr algn="ctr"/>
-              <a:endParaRPr lang="zh-CN" altLang="en-US"/>
-            </a:p>
-          </p:txBody>
-        </p:sp>
-        <p:sp>
-          <p:nvSpPr>
-            <p:cNvPr id="15" name="文本框 14">
-              <a:extLst>
-                <a:ext uri="{FF2B5EF4-FFF2-40B4-BE49-F238E27FC236}">
-                  <a16:creationId xmlns:a16="http://schemas.microsoft.com/office/drawing/2014/main" id="{2DC17080-AB22-44B0-BD13-733CBAFAA0D3}"/>
-                </a:ext>
-              </a:extLst>
-            </p:cNvPr>
-            <p:cNvSpPr txBox="1"/>
-            <p:nvPr/>
-          </p:nvSpPr>
-          <p:spPr>
-            <a:xfrm>
-              <a:off x="179961" y="756880"/>
-              <a:ext cx="2131921" cy="1200329"/>
-            </a:xfrm>
-            <a:prstGeom prst="rect">
-              <a:avLst/>
-            </a:prstGeom>
-            <a:noFill/>
-            <a:ln>
-              <a:noFill/>
-            </a:ln>
-          </p:spPr>
-          <p:txBody>
-            <a:bodyPr wrap="square" rtlCol="0">
-              <a:spAutoFit/>
-            </a:bodyPr>
-            <a:lstStyle/>
-            <a:p>
-              <a:r>
-                <a:rPr lang="zh-CN" altLang="en-US" sz="3600" kern="100" dirty="0">
-                  <a:solidFill>
-                    <a:schemeClr val="bg1"/>
-                  </a:solidFill>
-                  <a:latin typeface="微软雅黑 Light" panose="020B0502040204020203" pitchFamily="34" charset="-122"/>
-                  <a:ea typeface="微软雅黑 Light" panose="020B0502040204020203" pitchFamily="34" charset="-122"/>
-                </a:rPr>
-                <a:t>具体需求分析</a:t>
-              </a:r>
-            </a:p>
-          </p:txBody>
-        </p:sp>
-        <p:sp>
-          <p:nvSpPr>
-            <p:cNvPr id="16" name="文本框 15">
-              <a:extLst>
-                <a:ext uri="{FF2B5EF4-FFF2-40B4-BE49-F238E27FC236}">
-                  <a16:creationId xmlns:a16="http://schemas.microsoft.com/office/drawing/2014/main" id="{85D5BD3F-DEB9-4813-B82A-7E32195A7A6E}"/>
-                </a:ext>
-              </a:extLst>
-            </p:cNvPr>
-            <p:cNvSpPr txBox="1"/>
-            <p:nvPr/>
-          </p:nvSpPr>
-          <p:spPr>
-            <a:xfrm>
-              <a:off x="159657" y="1883092"/>
-              <a:ext cx="1992567" cy="1200329"/>
-            </a:xfrm>
-            <a:prstGeom prst="rect">
-              <a:avLst/>
-            </a:prstGeom>
-            <a:noFill/>
-            <a:ln>
-              <a:noFill/>
-            </a:ln>
-          </p:spPr>
-          <p:txBody>
-            <a:bodyPr wrap="square" rtlCol="0">
-              <a:spAutoFit/>
-            </a:bodyPr>
-            <a:lstStyle/>
-            <a:p>
-              <a:r>
-                <a:rPr lang="en-US" altLang="zh-CN" sz="2400" dirty="0">
-                  <a:solidFill>
-                    <a:schemeClr val="bg1"/>
-                  </a:solidFill>
-                  <a:latin typeface="微软雅黑 Light" panose="020B0502040204020203" pitchFamily="34" charset="-122"/>
-                  <a:ea typeface="微软雅黑 Light" panose="020B0502040204020203" pitchFamily="34" charset="-122"/>
-                </a:rPr>
-                <a:t>Specific requirements</a:t>
-              </a:r>
-            </a:p>
-            <a:p>
-              <a:r>
-                <a:rPr lang="en-US" altLang="zh-CN" sz="2400" dirty="0">
-                  <a:solidFill>
-                    <a:schemeClr val="bg1"/>
-                  </a:solidFill>
-                  <a:latin typeface="微软雅黑 Light" panose="020B0502040204020203" pitchFamily="34" charset="-122"/>
-                  <a:ea typeface="微软雅黑 Light" panose="020B0502040204020203" pitchFamily="34" charset="-122"/>
-                </a:rPr>
-                <a:t>analysis</a:t>
-              </a:r>
-              <a:endParaRPr lang="zh-CN" altLang="en-US" sz="2400" dirty="0">
-                <a:solidFill>
-                  <a:schemeClr val="bg1"/>
-                </a:solidFill>
-                <a:latin typeface="微软雅黑 Light" panose="020B0502040204020203" pitchFamily="34" charset="-122"/>
-                <a:ea typeface="微软雅黑 Light" panose="020B0502040204020203" pitchFamily="34" charset="-122"/>
-              </a:endParaRPr>
-            </a:p>
-          </p:txBody>
-        </p:sp>
-      </p:grpSp>
-      <p:sp>
-        <p:nvSpPr>
-          <p:cNvPr id="3" name="文本框 2">
-            <a:extLst>
-              <a:ext uri="{FF2B5EF4-FFF2-40B4-BE49-F238E27FC236}">
-                <a16:creationId xmlns:a16="http://schemas.microsoft.com/office/drawing/2014/main" id="{B29B01A7-DEB7-4789-87A2-4C5C62E169CD}"/>
-              </a:ext>
-            </a:extLst>
-          </p:cNvPr>
-          <p:cNvSpPr txBox="1"/>
-          <p:nvPr/>
-        </p:nvSpPr>
-        <p:spPr>
-          <a:xfrm>
-            <a:off x="2657365" y="237843"/>
-            <a:ext cx="1617751" cy="400110"/>
-          </a:xfrm>
-          <a:prstGeom prst="rect">
-            <a:avLst/>
-          </a:prstGeom>
-          <a:noFill/>
-        </p:spPr>
-        <p:txBody>
-          <a:bodyPr wrap="none" rtlCol="0">
-            <a:spAutoFit/>
-          </a:bodyPr>
-          <a:lstStyle/>
-          <a:p>
-            <a:r>
-              <a:rPr lang="en-US" altLang="zh-CN" sz="2000" dirty="0">
-                <a:latin typeface="微软雅黑" panose="020B0503020204020204" pitchFamily="34" charset="-122"/>
-                <a:ea typeface="微软雅黑" panose="020B0503020204020204" pitchFamily="34" charset="-122"/>
-              </a:rPr>
-              <a:t>1</a:t>
-            </a:r>
-            <a:r>
-              <a:rPr lang="zh-CN" altLang="en-US" sz="2000" dirty="0">
-                <a:latin typeface="微软雅黑" panose="020B0503020204020204" pitchFamily="34" charset="-122"/>
-                <a:ea typeface="微软雅黑" panose="020B0503020204020204" pitchFamily="34" charset="-122"/>
-              </a:rPr>
-              <a:t>、功能需求</a:t>
-            </a:r>
-          </a:p>
-        </p:txBody>
-      </p:sp>
-      <p:sp>
-        <p:nvSpPr>
-          <p:cNvPr id="5" name="文本框 4">
-            <a:extLst>
-              <a:ext uri="{FF2B5EF4-FFF2-40B4-BE49-F238E27FC236}">
-                <a16:creationId xmlns:a16="http://schemas.microsoft.com/office/drawing/2014/main" id="{FFD139B6-518B-473B-91DA-D1378AEF9FEC}"/>
-              </a:ext>
-            </a:extLst>
-          </p:cNvPr>
-          <p:cNvSpPr txBox="1"/>
-          <p:nvPr/>
-        </p:nvSpPr>
-        <p:spPr>
-          <a:xfrm>
-            <a:off x="2657365" y="693497"/>
-            <a:ext cx="5765780" cy="2862322"/>
-          </a:xfrm>
-          <a:prstGeom prst="rect">
-            <a:avLst/>
-          </a:prstGeom>
-          <a:noFill/>
-        </p:spPr>
-        <p:txBody>
-          <a:bodyPr wrap="square" rtlCol="0">
-            <a:spAutoFit/>
-          </a:bodyPr>
-          <a:lstStyle/>
-          <a:p>
-            <a:pPr lvl="0"/>
-            <a:r>
-              <a:rPr lang="zh-CN" altLang="en-US" sz="2000" dirty="0"/>
-              <a:t>本项目开发的总目标为：能实现在用户学习过程中能够记录每一个同学的课表、上课时间、地点、任课老师等课程信息，并通过推送消息的方式提醒学生按时上课，同时添加未完成事项的类似备忘录的功能确保每位同学按时完成作业或者其他待办事项。</a:t>
-            </a:r>
-          </a:p>
-          <a:p>
-            <a:pPr lvl="0"/>
-            <a:r>
-              <a:rPr lang="zh-CN" altLang="en-US" sz="2000" dirty="0"/>
-              <a:t>主要分为四个模块：登陆注册模块正式用户功能模块，管理员功能模块。</a:t>
-            </a:r>
-            <a:endParaRPr lang="en-US" altLang="zh-CN" sz="2000" dirty="0"/>
-          </a:p>
-          <a:p>
-            <a:pPr lvl="0"/>
-            <a:r>
-              <a:rPr lang="zh-CN" altLang="en-US" sz="2000" dirty="0"/>
-              <a:t>具体子系统功能模块在</a:t>
-            </a:r>
-            <a:r>
-              <a:rPr lang="en-US" altLang="zh-CN" sz="2000" dirty="0"/>
-              <a:t>word</a:t>
-            </a:r>
-            <a:r>
-              <a:rPr lang="zh-CN" altLang="en-US" sz="2000" dirty="0"/>
-              <a:t>中</a:t>
-            </a:r>
-          </a:p>
-        </p:txBody>
-      </p:sp>
-    </p:spTree>
-    <p:extLst>
-      <p:ext uri="{BB962C8B-B14F-4D97-AF65-F5344CB8AC3E}">
-        <p14:creationId xmlns:p14="http://schemas.microsoft.com/office/powerpoint/2010/main" val="1950508704"/>
       </p:ext>
     </p:extLst>
   </p:cSld>
@@ -12202,14 +13260,14 @@
                 <a:latin typeface="微软雅黑" panose="020B0503020204020204" pitchFamily="34" charset="-122"/>
                 <a:ea typeface="微软雅黑" panose="020B0503020204020204" pitchFamily="34" charset="-122"/>
               </a:rPr>
-              <a:t>2</a:t>
+              <a:t>1</a:t>
             </a:r>
             <a:r>
               <a:rPr lang="zh-CN" altLang="en-US" sz="2000" dirty="0">
                 <a:latin typeface="微软雅黑" panose="020B0503020204020204" pitchFamily="34" charset="-122"/>
                 <a:ea typeface="微软雅黑" panose="020B0503020204020204" pitchFamily="34" charset="-122"/>
               </a:rPr>
-              <a:t>、性能需求</a:t>
+              <a:t>、功能需求</a:t>
             </a:r>
           </a:p>
         </p:txBody>
@@ -12229,7 +13287,7 @@
         <p:spPr>
           <a:xfrm>
             <a:off x="2657365" y="693497"/>
-            <a:ext cx="5765780" cy="5047536"/>
+            <a:ext cx="5765780" cy="2862322"/>
           </a:xfrm>
           <a:prstGeom prst="rect">
             <a:avLst/>
@@ -12244,50 +13302,39 @@
           <a:p>
             <a:pPr lvl="0"/>
             <a:r>
-              <a:rPr lang="zh-CN" altLang="en-US" sz="2000" b="1" dirty="0"/>
-              <a:t>系统处理的准确性和及时性</a:t>
+              <a:rPr lang="zh-CN" altLang="en-US" sz="2000" dirty="0"/>
+              <a:t>本项目开发的总目标为：能实现在用户学习过程中能够记录每一个同学的课表、上课时间、地点、任课老师等课程信息，并通过推送消息的方式提醒学生按时上课，同时添加未完成事项的类似备忘录的功能确保每位同学按时完成作业或者其他待办事项。</a:t>
             </a:r>
           </a:p>
           <a:p>
             <a:pPr lvl="0"/>
             <a:r>
               <a:rPr lang="zh-CN" altLang="en-US" sz="2000" dirty="0"/>
-              <a:t>系统处理的准确性和及时性是系统的必要性能。在系统设计和开发过程中，要充分考虑系统当前和将来可能承受的工作量，使系统的处理能力和响应时间能够满足企业对信息处理的需求。</a:t>
+              <a:t>主要分为四个模块：登陆注册模块正式用户功能模块，管理员功能模块。</a:t>
             </a:r>
             <a:endParaRPr lang="en-US" altLang="zh-CN" sz="2000" dirty="0"/>
           </a:p>
           <a:p>
             <a:pPr lvl="0"/>
-            <a:endParaRPr lang="en-US" altLang="zh-CN" sz="2000" dirty="0"/>
-          </a:p>
-          <a:p>
-            <a:pPr lvl="0"/>
-            <a:endParaRPr lang="en-US" altLang="zh-CN" sz="2000" dirty="0"/>
-          </a:p>
-          <a:p>
-            <a:pPr lvl="0"/>
-            <a:r>
-              <a:rPr lang="zh-CN" altLang="zh-CN" b="1" dirty="0"/>
-              <a:t>系统的开放性和系统的可扩充性</a:t>
-            </a:r>
-            <a:endParaRPr lang="zh-CN" altLang="zh-CN" dirty="0"/>
-          </a:p>
-          <a:p>
-            <a:r>
-              <a:rPr lang="zh-CN" altLang="zh-CN" dirty="0"/>
-              <a:t>功能课程表学习效率软件在开发过程中，应该充分考虑以后的可扩充性。例如大数据统计方面会要求更加完备的数据库，用户查询的需求也会不断的更新和完善。所有这些，都要求系统提供足够的手段进行功能的调整和扩充。而要实现这一点，应通过系统的开放性来完成，既系统应是一个开放系统，只要符合一定的规范，可以简单的加入和减少系统的模块，配置系统的硬件。通过软件的修补、替换完成系统的升级和更新换代。</a:t>
-            </a:r>
-          </a:p>
-          <a:p>
-            <a:pPr lvl="0"/>
-            <a:endParaRPr lang="zh-CN" altLang="en-US" sz="2000" dirty="0"/>
+            <a:r>
+              <a:rPr lang="zh-CN" altLang="en-US" sz="2000" dirty="0"/>
+              <a:t>具体子系统功能模块在</a:t>
+            </a:r>
+            <a:r>
+              <a:rPr lang="en-US" altLang="zh-CN" sz="2000" dirty="0"/>
+              <a:t>word</a:t>
+            </a:r>
+            <a:r>
+              <a:rPr lang="zh-CN" altLang="en-US" sz="2000" dirty="0"/>
+              <a:t>中</a:t>
+            </a:r>
           </a:p>
         </p:txBody>
       </p:sp>
     </p:spTree>
     <p:extLst>
       <p:ext uri="{BB962C8B-B14F-4D97-AF65-F5344CB8AC3E}">
-        <p14:creationId xmlns:p14="http://schemas.microsoft.com/office/powerpoint/2010/main" val="672416178"/>
+        <p14:creationId xmlns:p14="http://schemas.microsoft.com/office/powerpoint/2010/main" val="585948074"/>
       </p:ext>
     </p:extLst>
   </p:cSld>
